--- a/SuSS/2022_ANL201_Viz_Biz/3_Lecture/ANL201 Study Unit 5_2022 - Lecturer.pptx
+++ b/SuSS/2022_ANL201_Viz_Biz/3_Lecture/ANL201 Study Unit 5_2022 - Lecturer.pptx
@@ -250,7 +250,7 @@
           <a:p>
             <a:fld id="{FB7F86EF-755F-EF49-95CD-E6F9DEA0E285}" type="datetimeFigureOut">
               <a:rPr lang="en-US" smtClean="0"/>
-              <a:t>1/10/2022</a:t>
+              <a:t>1/20/2022</a:t>
             </a:fld>
             <a:endParaRPr lang="en-US"/>
           </a:p>
@@ -415,7 +415,7 @@
           <a:p>
             <a:fld id="{847550CD-65C1-0D40-9457-6DF5C95A232D}" type="datetimeFigureOut">
               <a:rPr lang="en-US" smtClean="0"/>
-              <a:t>1/10/2022</a:t>
+              <a:t>1/20/2022</a:t>
             </a:fld>
             <a:endParaRPr lang="en-US"/>
           </a:p>
@@ -17069,7 +17069,7 @@
           <p:nvPr>
             <p:extLst>
               <p:ext uri="{D42A27DB-BD31-4B8C-83A1-F6EECF244321}">
-                <p14:modId xmlns:p14="http://schemas.microsoft.com/office/powerpoint/2010/main" val="1102153780"/>
+                <p14:modId xmlns:p14="http://schemas.microsoft.com/office/powerpoint/2010/main" val="1504698773"/>
               </p:ext>
             </p:extLst>
           </p:nvPr>
@@ -17549,16 +17549,20 @@
                     <a:p>
                       <a:pPr algn="ctr"/>
                       <a:r>
-                        <a:rPr lang="en-US" sz="1200" dirty="0"/>
-                        <a:t>3</a:t>
+                        <a:rPr lang="en-US" sz="1200" baseline="0"/>
+                        <a:t>05</a:t>
                       </a:r>
                       <a:r>
-                        <a:rPr lang="en-US" sz="1200" baseline="30000" dirty="0"/>
-                        <a:t>rd</a:t>
+                        <a:rPr lang="en-US" sz="1200" baseline="30000"/>
+                        <a:t>th</a:t>
+                      </a:r>
+                      <a:r>
+                        <a:rPr lang="en-US" sz="1200"/>
+                        <a:t> </a:t>
                       </a:r>
                       <a:r>
                         <a:rPr lang="en-US" sz="1200" dirty="0"/>
-                        <a:t> Feb</a:t>
+                        <a:t>Feb</a:t>
                       </a:r>
                       <a:endParaRPr lang="en-SG" sz="1200" dirty="0"/>
                     </a:p>
@@ -30021,24 +30025,6 @@
 </file>
 
 <file path=customXml/item1.xml><?xml version="1.0" encoding="utf-8"?>
-<?mso-contentType ?>
-<FormTemplates xmlns="http://schemas.microsoft.com/sharepoint/v3/contenttype/forms">
-  <Display>DocumentLibraryForm</Display>
-  <Edit>DocumentLibraryForm</Edit>
-  <New>DocumentLibraryForm</New>
-</FormTemplates>
-</file>
-
-<file path=customXml/item2.xml><?xml version="1.0" encoding="utf-8"?>
-<p:properties xmlns:p="http://schemas.microsoft.com/office/2006/metadata/properties" xmlns:xsi="http://www.w3.org/2001/XMLSchema-instance" xmlns:pc="http://schemas.microsoft.com/office/infopath/2007/PartnerControls">
-  <documentManagement>
-    <_Version xmlns="http://schemas.microsoft.com/sharepoint/v3/fields" xsi:nil="true"/>
-    <_Status xmlns="http://schemas.microsoft.com/sharepoint/v3/fields">Not Started</_Status>
-  </documentManagement>
-</p:properties>
-</file>
-
-<file path=customXml/item3.xml><?xml version="1.0" encoding="utf-8"?>
 <ct:contentTypeSchema xmlns:ct="http://schemas.microsoft.com/office/2006/metadata/contentType" xmlns:ma="http://schemas.microsoft.com/office/2006/metadata/properties/metaAttributes" ct:_="" ma:_="" ma:contentTypeName="Document" ma:contentTypeID="0x0101000DE64AEEDD9B7A4D93545ACBE97D4615" ma:contentTypeVersion="2" ma:contentTypeDescription="Create a new document." ma:contentTypeScope="" ma:versionID="f49002b78e3a4a71b814eef46a983816">
   <xsd:schema xmlns:xsd="http://www.w3.org/2001/XMLSchema" xmlns:xs="http://www.w3.org/2001/XMLSchema" xmlns:p="http://schemas.microsoft.com/office/2006/metadata/properties" xmlns:ns2="http://schemas.microsoft.com/sharepoint/v3/fields" targetNamespace="http://schemas.microsoft.com/office/2006/metadata/properties" ma:root="true" ma:fieldsID="38f6db2dd0d9a0cf6a8dc37be32b365b" ns2:_="">
     <xsd:import namespace="http://schemas.microsoft.com/sharepoint/v3/fields"/>
@@ -30182,25 +30168,25 @@
 </ct:contentTypeSchema>
 </file>
 
-<file path=customXml/itemProps1.xml><?xml version="1.0" encoding="utf-8"?>
-<ds:datastoreItem xmlns:ds="http://schemas.openxmlformats.org/officeDocument/2006/customXml" ds:itemID="{87D2A1B0-FF3E-4009-940D-AED0EB70AA20}">
-  <ds:schemaRefs>
-    <ds:schemaRef ds:uri="http://schemas.microsoft.com/sharepoint/v3/contenttype/forms"/>
-  </ds:schemaRefs>
-</ds:datastoreItem>
+<file path=customXml/item2.xml><?xml version="1.0" encoding="utf-8"?>
+<?mso-contentType ?>
+<FormTemplates xmlns="http://schemas.microsoft.com/sharepoint/v3/contenttype/forms">
+  <Display>DocumentLibraryForm</Display>
+  <Edit>DocumentLibraryForm</Edit>
+  <New>DocumentLibraryForm</New>
+</FormTemplates>
 </file>
 
-<file path=customXml/itemProps2.xml><?xml version="1.0" encoding="utf-8"?>
-<ds:datastoreItem xmlns:ds="http://schemas.openxmlformats.org/officeDocument/2006/customXml" ds:itemID="{7B6F2769-7194-4217-93D3-3AF3A4742282}">
-  <ds:schemaRefs>
-    <ds:schemaRef ds:uri="http://schemas.microsoft.com/office/2006/metadata/properties"/>
-    <ds:schemaRef ds:uri="http://schemas.microsoft.com/office/infopath/2007/PartnerControls"/>
-    <ds:schemaRef ds:uri="http://schemas.microsoft.com/sharepoint/v3/fields"/>
-  </ds:schemaRefs>
-</ds:datastoreItem>
+<file path=customXml/item3.xml><?xml version="1.0" encoding="utf-8"?>
+<p:properties xmlns:p="http://schemas.microsoft.com/office/2006/metadata/properties" xmlns:xsi="http://www.w3.org/2001/XMLSchema-instance" xmlns:pc="http://schemas.microsoft.com/office/infopath/2007/PartnerControls">
+  <documentManagement>
+    <_Version xmlns="http://schemas.microsoft.com/sharepoint/v3/fields" xsi:nil="true"/>
+    <_Status xmlns="http://schemas.microsoft.com/sharepoint/v3/fields">Not Started</_Status>
+  </documentManagement>
+</p:properties>
 </file>
 
-<file path=customXml/itemProps3.xml><?xml version="1.0" encoding="utf-8"?>
+<file path=customXml/itemProps1.xml><?xml version="1.0" encoding="utf-8"?>
 <ds:datastoreItem xmlns:ds="http://schemas.openxmlformats.org/officeDocument/2006/customXml" ds:itemID="{E4214858-785C-42F7-BE66-6D0E79395FC8}">
   <ds:schemaRefs>
     <ds:schemaRef ds:uri="http://schemas.microsoft.com/office/2006/metadata/contentType"/>
@@ -30216,4 +30202,22 @@
     <ds:schemaRef ds:uri="http://schemas.microsoft.com/internal/obd"/>
   </ds:schemaRefs>
 </ds:datastoreItem>
+</file>
+
+<file path=customXml/itemProps2.xml><?xml version="1.0" encoding="utf-8"?>
+<ds:datastoreItem xmlns:ds="http://schemas.openxmlformats.org/officeDocument/2006/customXml" ds:itemID="{87D2A1B0-FF3E-4009-940D-AED0EB70AA20}">
+  <ds:schemaRefs>
+    <ds:schemaRef ds:uri="http://schemas.microsoft.com/sharepoint/v3/contenttype/forms"/>
+  </ds:schemaRefs>
+</ds:datastoreItem>
+</file>
+
+<file path=customXml/itemProps3.xml><?xml version="1.0" encoding="utf-8"?>
+<ds:datastoreItem xmlns:ds="http://schemas.openxmlformats.org/officeDocument/2006/customXml" ds:itemID="{7B6F2769-7194-4217-93D3-3AF3A4742282}">
+  <ds:schemaRefs>
+    <ds:schemaRef ds:uri="http://schemas.microsoft.com/office/2006/metadata/properties"/>
+    <ds:schemaRef ds:uri="http://schemas.microsoft.com/office/infopath/2007/PartnerControls"/>
+    <ds:schemaRef ds:uri="http://schemas.microsoft.com/sharepoint/v3/fields"/>
+  </ds:schemaRefs>
+</ds:datastoreItem>
 </file>
--- a/SuSS/2022_ANL201_Viz_Biz/3_Lecture/ANL201 Study Unit 5_2022 - Lecturer.pptx
+++ b/SuSS/2022_ANL201_Viz_Biz/3_Lecture/ANL201 Study Unit 5_2022 - Lecturer.pptx
@@ -250,7 +250,7 @@
           <a:p>
             <a:fld id="{FB7F86EF-755F-EF49-95CD-E6F9DEA0E285}" type="datetimeFigureOut">
               <a:rPr lang="en-US" smtClean="0"/>
-              <a:t>1/20/2022</a:t>
+              <a:t>3/3/2022</a:t>
             </a:fld>
             <a:endParaRPr lang="en-US"/>
           </a:p>
@@ -415,7 +415,7 @@
           <a:p>
             <a:fld id="{847550CD-65C1-0D40-9457-6DF5C95A232D}" type="datetimeFigureOut">
               <a:rPr lang="en-US" smtClean="0"/>
-              <a:t>1/20/2022</a:t>
+              <a:t>3/3/2022</a:t>
             </a:fld>
             <a:endParaRPr lang="en-US"/>
           </a:p>
@@ -20670,6 +20670,84 @@
   <p:clrMapOvr>
     <a:masterClrMapping/>
   </p:clrMapOvr>
+  <p:timing>
+    <p:tnLst>
+      <p:par>
+        <p:cTn id="1" dur="indefinite" restart="never" nodeType="tmRoot">
+          <p:childTnLst>
+            <p:seq concurrent="1" nextAc="seek">
+              <p:cTn id="2" dur="indefinite" nodeType="mainSeq">
+                <p:childTnLst>
+                  <p:par>
+                    <p:cTn id="3" fill="hold">
+                      <p:stCondLst>
+                        <p:cond delay="indefinite"/>
+                      </p:stCondLst>
+                      <p:childTnLst>
+                        <p:par>
+                          <p:cTn id="4" fill="hold">
+                            <p:stCondLst>
+                              <p:cond delay="0"/>
+                            </p:stCondLst>
+                            <p:childTnLst>
+                              <p:par>
+                                <p:cTn id="5" presetID="1" presetClass="entr" presetSubtype="0" fill="hold" grpId="0" nodeType="clickEffect">
+                                  <p:stCondLst>
+                                    <p:cond delay="0"/>
+                                  </p:stCondLst>
+                                  <p:childTnLst>
+                                    <p:set>
+                                      <p:cBhvr>
+                                        <p:cTn id="6" dur="1" fill="hold">
+                                          <p:stCondLst>
+                                            <p:cond delay="0"/>
+                                          </p:stCondLst>
+                                        </p:cTn>
+                                        <p:tgtEl>
+                                          <p:spTgt spid="6"/>
+                                        </p:tgtEl>
+                                        <p:attrNameLst>
+                                          <p:attrName>style.visibility</p:attrName>
+                                        </p:attrNameLst>
+                                      </p:cBhvr>
+                                      <p:to>
+                                        <p:strVal val="visible"/>
+                                      </p:to>
+                                    </p:set>
+                                  </p:childTnLst>
+                                </p:cTn>
+                              </p:par>
+                            </p:childTnLst>
+                          </p:cTn>
+                        </p:par>
+                      </p:childTnLst>
+                    </p:cTn>
+                  </p:par>
+                </p:childTnLst>
+              </p:cTn>
+              <p:prevCondLst>
+                <p:cond evt="onPrev" delay="0">
+                  <p:tgtEl>
+                    <p:sldTgt/>
+                  </p:tgtEl>
+                </p:cond>
+              </p:prevCondLst>
+              <p:nextCondLst>
+                <p:cond evt="onNext" delay="0">
+                  <p:tgtEl>
+                    <p:sldTgt/>
+                  </p:tgtEl>
+                </p:cond>
+              </p:nextCondLst>
+            </p:seq>
+          </p:childTnLst>
+        </p:cTn>
+      </p:par>
+    </p:tnLst>
+    <p:bldLst>
+      <p:bldP spid="6" grpId="0" animBg="1"/>
+    </p:bldLst>
+  </p:timing>
 </p:sld>
 </file>
 
@@ -21162,6 +21240,328 @@
   <p:clrMapOvr>
     <a:masterClrMapping/>
   </p:clrMapOvr>
+  <p:timing>
+    <p:tnLst>
+      <p:par>
+        <p:cTn id="1" dur="indefinite" restart="never" nodeType="tmRoot">
+          <p:childTnLst>
+            <p:seq concurrent="1" nextAc="seek">
+              <p:cTn id="2" dur="indefinite" nodeType="mainSeq">
+                <p:childTnLst>
+                  <p:par>
+                    <p:cTn id="3" fill="hold">
+                      <p:stCondLst>
+                        <p:cond delay="indefinite"/>
+                        <p:cond evt="onBegin" delay="0">
+                          <p:tn val="2"/>
+                        </p:cond>
+                      </p:stCondLst>
+                      <p:childTnLst>
+                        <p:par>
+                          <p:cTn id="4" fill="hold">
+                            <p:stCondLst>
+                              <p:cond delay="0"/>
+                            </p:stCondLst>
+                            <p:childTnLst>
+                              <p:par>
+                                <p:cTn id="5" presetID="1" presetClass="entr" presetSubtype="0" fill="hold" nodeType="withEffect">
+                                  <p:stCondLst>
+                                    <p:cond delay="0"/>
+                                  </p:stCondLst>
+                                  <p:childTnLst>
+                                    <p:set>
+                                      <p:cBhvr>
+                                        <p:cTn id="6" dur="1" fill="hold">
+                                          <p:stCondLst>
+                                            <p:cond delay="0"/>
+                                          </p:stCondLst>
+                                        </p:cTn>
+                                        <p:tgtEl>
+                                          <p:spTgt spid="6">
+                                            <p:txEl>
+                                              <p:pRg st="0" end="0"/>
+                                            </p:txEl>
+                                          </p:spTgt>
+                                        </p:tgtEl>
+                                        <p:attrNameLst>
+                                          <p:attrName>style.visibility</p:attrName>
+                                        </p:attrNameLst>
+                                      </p:cBhvr>
+                                      <p:to>
+                                        <p:strVal val="visible"/>
+                                      </p:to>
+                                    </p:set>
+                                  </p:childTnLst>
+                                </p:cTn>
+                              </p:par>
+                            </p:childTnLst>
+                          </p:cTn>
+                        </p:par>
+                      </p:childTnLst>
+                    </p:cTn>
+                  </p:par>
+                  <p:par>
+                    <p:cTn id="7" fill="hold">
+                      <p:stCondLst>
+                        <p:cond delay="indefinite"/>
+                      </p:stCondLst>
+                      <p:childTnLst>
+                        <p:par>
+                          <p:cTn id="8" fill="hold">
+                            <p:stCondLst>
+                              <p:cond delay="0"/>
+                            </p:stCondLst>
+                            <p:childTnLst>
+                              <p:par>
+                                <p:cTn id="9" presetID="1" presetClass="entr" presetSubtype="0" fill="hold" nodeType="clickEffect">
+                                  <p:stCondLst>
+                                    <p:cond delay="0"/>
+                                  </p:stCondLst>
+                                  <p:childTnLst>
+                                    <p:set>
+                                      <p:cBhvr>
+                                        <p:cTn id="10" dur="1" fill="hold">
+                                          <p:stCondLst>
+                                            <p:cond delay="0"/>
+                                          </p:stCondLst>
+                                        </p:cTn>
+                                        <p:tgtEl>
+                                          <p:spTgt spid="6">
+                                            <p:txEl>
+                                              <p:pRg st="1" end="1"/>
+                                            </p:txEl>
+                                          </p:spTgt>
+                                        </p:tgtEl>
+                                        <p:attrNameLst>
+                                          <p:attrName>style.visibility</p:attrName>
+                                        </p:attrNameLst>
+                                      </p:cBhvr>
+                                      <p:to>
+                                        <p:strVal val="visible"/>
+                                      </p:to>
+                                    </p:set>
+                                  </p:childTnLst>
+                                </p:cTn>
+                              </p:par>
+                            </p:childTnLst>
+                          </p:cTn>
+                        </p:par>
+                      </p:childTnLst>
+                    </p:cTn>
+                  </p:par>
+                  <p:par>
+                    <p:cTn id="11" fill="hold">
+                      <p:stCondLst>
+                        <p:cond delay="indefinite"/>
+                      </p:stCondLst>
+                      <p:childTnLst>
+                        <p:par>
+                          <p:cTn id="12" fill="hold">
+                            <p:stCondLst>
+                              <p:cond delay="0"/>
+                            </p:stCondLst>
+                            <p:childTnLst>
+                              <p:par>
+                                <p:cTn id="13" presetID="1" presetClass="entr" presetSubtype="0" fill="hold" nodeType="clickEffect">
+                                  <p:stCondLst>
+                                    <p:cond delay="0"/>
+                                  </p:stCondLst>
+                                  <p:childTnLst>
+                                    <p:set>
+                                      <p:cBhvr>
+                                        <p:cTn id="14" dur="1" fill="hold">
+                                          <p:stCondLst>
+                                            <p:cond delay="0"/>
+                                          </p:stCondLst>
+                                        </p:cTn>
+                                        <p:tgtEl>
+                                          <p:spTgt spid="6">
+                                            <p:txEl>
+                                              <p:pRg st="2" end="2"/>
+                                            </p:txEl>
+                                          </p:spTgt>
+                                        </p:tgtEl>
+                                        <p:attrNameLst>
+                                          <p:attrName>style.visibility</p:attrName>
+                                        </p:attrNameLst>
+                                      </p:cBhvr>
+                                      <p:to>
+                                        <p:strVal val="visible"/>
+                                      </p:to>
+                                    </p:set>
+                                  </p:childTnLst>
+                                </p:cTn>
+                              </p:par>
+                            </p:childTnLst>
+                          </p:cTn>
+                        </p:par>
+                      </p:childTnLst>
+                    </p:cTn>
+                  </p:par>
+                  <p:par>
+                    <p:cTn id="15" fill="hold">
+                      <p:stCondLst>
+                        <p:cond delay="indefinite"/>
+                      </p:stCondLst>
+                      <p:childTnLst>
+                        <p:par>
+                          <p:cTn id="16" fill="hold">
+                            <p:stCondLst>
+                              <p:cond delay="0"/>
+                            </p:stCondLst>
+                            <p:childTnLst>
+                              <p:par>
+                                <p:cTn id="17" presetID="1" presetClass="entr" presetSubtype="0" fill="hold" nodeType="clickEffect">
+                                  <p:stCondLst>
+                                    <p:cond delay="0"/>
+                                  </p:stCondLst>
+                                  <p:childTnLst>
+                                    <p:set>
+                                      <p:cBhvr>
+                                        <p:cTn id="18" dur="1" fill="hold">
+                                          <p:stCondLst>
+                                            <p:cond delay="0"/>
+                                          </p:stCondLst>
+                                        </p:cTn>
+                                        <p:tgtEl>
+                                          <p:spTgt spid="6">
+                                            <p:txEl>
+                                              <p:pRg st="4" end="4"/>
+                                            </p:txEl>
+                                          </p:spTgt>
+                                        </p:tgtEl>
+                                        <p:attrNameLst>
+                                          <p:attrName>style.visibility</p:attrName>
+                                        </p:attrNameLst>
+                                      </p:cBhvr>
+                                      <p:to>
+                                        <p:strVal val="visible"/>
+                                      </p:to>
+                                    </p:set>
+                                  </p:childTnLst>
+                                </p:cTn>
+                              </p:par>
+                              <p:par>
+                                <p:cTn id="19" presetID="1" presetClass="entr" presetSubtype="0" fill="hold" nodeType="withEffect">
+                                  <p:stCondLst>
+                                    <p:cond delay="0"/>
+                                  </p:stCondLst>
+                                  <p:childTnLst>
+                                    <p:set>
+                                      <p:cBhvr>
+                                        <p:cTn id="20" dur="1" fill="hold">
+                                          <p:stCondLst>
+                                            <p:cond delay="0"/>
+                                          </p:stCondLst>
+                                        </p:cTn>
+                                        <p:tgtEl>
+                                          <p:spTgt spid="6">
+                                            <p:txEl>
+                                              <p:pRg st="5" end="5"/>
+                                            </p:txEl>
+                                          </p:spTgt>
+                                        </p:tgtEl>
+                                        <p:attrNameLst>
+                                          <p:attrName>style.visibility</p:attrName>
+                                        </p:attrNameLst>
+                                      </p:cBhvr>
+                                      <p:to>
+                                        <p:strVal val="visible"/>
+                                      </p:to>
+                                    </p:set>
+                                  </p:childTnLst>
+                                </p:cTn>
+                              </p:par>
+                              <p:par>
+                                <p:cTn id="21" presetID="1" presetClass="entr" presetSubtype="0" fill="hold" nodeType="withEffect">
+                                  <p:stCondLst>
+                                    <p:cond delay="0"/>
+                                  </p:stCondLst>
+                                  <p:childTnLst>
+                                    <p:set>
+                                      <p:cBhvr>
+                                        <p:cTn id="22" dur="1" fill="hold">
+                                          <p:stCondLst>
+                                            <p:cond delay="0"/>
+                                          </p:stCondLst>
+                                        </p:cTn>
+                                        <p:tgtEl>
+                                          <p:spTgt spid="6">
+                                            <p:txEl>
+                                              <p:pRg st="6" end="6"/>
+                                            </p:txEl>
+                                          </p:spTgt>
+                                        </p:tgtEl>
+                                        <p:attrNameLst>
+                                          <p:attrName>style.visibility</p:attrName>
+                                        </p:attrNameLst>
+                                      </p:cBhvr>
+                                      <p:to>
+                                        <p:strVal val="visible"/>
+                                      </p:to>
+                                    </p:set>
+                                  </p:childTnLst>
+                                </p:cTn>
+                              </p:par>
+                              <p:par>
+                                <p:cTn id="23" presetID="1" presetClass="entr" presetSubtype="0" fill="hold" nodeType="withEffect">
+                                  <p:stCondLst>
+                                    <p:cond delay="0"/>
+                                  </p:stCondLst>
+                                  <p:childTnLst>
+                                    <p:set>
+                                      <p:cBhvr>
+                                        <p:cTn id="24" dur="1" fill="hold">
+                                          <p:stCondLst>
+                                            <p:cond delay="0"/>
+                                          </p:stCondLst>
+                                        </p:cTn>
+                                        <p:tgtEl>
+                                          <p:spTgt spid="6">
+                                            <p:txEl>
+                                              <p:pRg st="7" end="7"/>
+                                            </p:txEl>
+                                          </p:spTgt>
+                                        </p:tgtEl>
+                                        <p:attrNameLst>
+                                          <p:attrName>style.visibility</p:attrName>
+                                        </p:attrNameLst>
+                                      </p:cBhvr>
+                                      <p:to>
+                                        <p:strVal val="visible"/>
+                                      </p:to>
+                                    </p:set>
+                                  </p:childTnLst>
+                                </p:cTn>
+                              </p:par>
+                            </p:childTnLst>
+                          </p:cTn>
+                        </p:par>
+                      </p:childTnLst>
+                    </p:cTn>
+                  </p:par>
+                </p:childTnLst>
+              </p:cTn>
+              <p:prevCondLst>
+                <p:cond evt="onPrev" delay="0">
+                  <p:tgtEl>
+                    <p:sldTgt/>
+                  </p:tgtEl>
+                </p:cond>
+              </p:prevCondLst>
+              <p:nextCondLst>
+                <p:cond evt="onNext" delay="0">
+                  <p:tgtEl>
+                    <p:sldTgt/>
+                  </p:tgtEl>
+                </p:cond>
+              </p:nextCondLst>
+            </p:seq>
+          </p:childTnLst>
+        </p:cTn>
+      </p:par>
+    </p:tnLst>
+  </p:timing>
 </p:sld>
 </file>
 
@@ -21614,14 +22014,57 @@
       </p:pic>
       <p:sp>
         <p:nvSpPr>
-          <p:cNvPr id="7" name="Rounded Rectangle 6"/>
+          <p:cNvPr id="11" name="Title 1">
+            <a:extLst>
+              <a:ext uri="{FF2B5EF4-FFF2-40B4-BE49-F238E27FC236}">
+                <a16:creationId xmlns:a16="http://schemas.microsoft.com/office/drawing/2014/main" id="{DB03EA86-70B2-41AA-A3A3-6D9EB0248FF9}"/>
+              </a:ext>
+            </a:extLst>
+          </p:cNvPr>
+          <p:cNvSpPr>
+            <a:spLocks noGrp="1"/>
+          </p:cNvSpPr>
+          <p:nvPr>
+            <p:ph type="title"/>
+          </p:nvPr>
+        </p:nvSpPr>
+        <p:spPr>
+          <a:xfrm>
+            <a:off x="864683" y="-21052"/>
+            <a:ext cx="8563649" cy="823392"/>
+          </a:xfrm>
+        </p:spPr>
+        <p:txBody>
+          <a:bodyPr/>
+          <a:lstStyle/>
+          <a:p>
+            <a:r>
+              <a:rPr lang="en-US" sz="3200" dirty="0">
+                <a:latin typeface="Roboto Medium"/>
+                <a:ea typeface="Microsoft Himalaya" panose="01010100010101010101" pitchFamily="2" charset="0"/>
+                <a:cs typeface="Microsoft Himalaya" panose="01010100010101010101" pitchFamily="2" charset="0"/>
+              </a:rPr>
+              <a:t>Discussion</a:t>
+            </a:r>
+          </a:p>
+        </p:txBody>
+      </p:sp>
+      <p:sp>
+        <p:nvSpPr>
+          <p:cNvPr id="10" name="Rounded Rectangle 6">
+            <a:extLst>
+              <a:ext uri="{FF2B5EF4-FFF2-40B4-BE49-F238E27FC236}">
+                <a16:creationId xmlns:a16="http://schemas.microsoft.com/office/drawing/2014/main" id="{11FD0AC8-487B-4078-9DE2-6375A4BD5FA5}"/>
+              </a:ext>
+            </a:extLst>
+          </p:cNvPr>
           <p:cNvSpPr/>
           <p:nvPr/>
         </p:nvSpPr>
         <p:spPr>
           <a:xfrm>
-            <a:off x="1856233" y="1219491"/>
-            <a:ext cx="5058918" cy="978935"/>
+            <a:off x="1856233" y="1219492"/>
+            <a:ext cx="5058918" cy="896858"/>
           </a:xfrm>
           <a:prstGeom prst="roundRect">
             <a:avLst>
@@ -21680,13 +22123,19 @@
       </p:sp>
       <p:sp>
         <p:nvSpPr>
-          <p:cNvPr id="8" name="Rounded Rectangle 7"/>
+          <p:cNvPr id="12" name="Rounded Rectangle 7">
+            <a:extLst>
+              <a:ext uri="{FF2B5EF4-FFF2-40B4-BE49-F238E27FC236}">
+                <a16:creationId xmlns:a16="http://schemas.microsoft.com/office/drawing/2014/main" id="{9C775C8F-51D7-4363-B722-4A0ABB2B6B31}"/>
+              </a:ext>
+            </a:extLst>
+          </p:cNvPr>
           <p:cNvSpPr/>
           <p:nvPr/>
         </p:nvSpPr>
         <p:spPr>
           <a:xfrm>
-            <a:off x="1872561" y="2274917"/>
+            <a:off x="1872561" y="2376983"/>
             <a:ext cx="5058918" cy="837908"/>
           </a:xfrm>
           <a:prstGeom prst="roundRect">
@@ -21730,13 +22179,19 @@
       </p:sp>
       <p:sp>
         <p:nvSpPr>
-          <p:cNvPr id="9" name="Rounded Rectangle 8"/>
+          <p:cNvPr id="13" name="Rounded Rectangle 8">
+            <a:extLst>
+              <a:ext uri="{FF2B5EF4-FFF2-40B4-BE49-F238E27FC236}">
+                <a16:creationId xmlns:a16="http://schemas.microsoft.com/office/drawing/2014/main" id="{7644F6D3-0B28-43D7-81F4-A39C57BB8E60}"/>
+              </a:ext>
+            </a:extLst>
+          </p:cNvPr>
           <p:cNvSpPr/>
           <p:nvPr/>
         </p:nvSpPr>
         <p:spPr>
           <a:xfrm>
-            <a:off x="1856233" y="3224817"/>
+            <a:off x="1872561" y="3618703"/>
             <a:ext cx="5058918" cy="967985"/>
           </a:xfrm>
           <a:prstGeom prst="roundRect">
@@ -21785,43 +22240,6 @@
                 <a:schemeClr val="tx1"/>
               </a:solidFill>
             </a:endParaRPr>
-          </a:p>
-        </p:txBody>
-      </p:sp>
-      <p:sp>
-        <p:nvSpPr>
-          <p:cNvPr id="11" name="Title 1">
-            <a:extLst>
-              <a:ext uri="{FF2B5EF4-FFF2-40B4-BE49-F238E27FC236}">
-                <a16:creationId xmlns:a16="http://schemas.microsoft.com/office/drawing/2014/main" id="{DB03EA86-70B2-41AA-A3A3-6D9EB0248FF9}"/>
-              </a:ext>
-            </a:extLst>
-          </p:cNvPr>
-          <p:cNvSpPr>
-            <a:spLocks noGrp="1"/>
-          </p:cNvSpPr>
-          <p:nvPr>
-            <p:ph type="title"/>
-          </p:nvPr>
-        </p:nvSpPr>
-        <p:spPr>
-          <a:xfrm>
-            <a:off x="864683" y="-21052"/>
-            <a:ext cx="8563649" cy="823392"/>
-          </a:xfrm>
-        </p:spPr>
-        <p:txBody>
-          <a:bodyPr/>
-          <a:lstStyle/>
-          <a:p>
-            <a:r>
-              <a:rPr lang="en-US" sz="3200" dirty="0">
-                <a:latin typeface="Roboto Medium"/>
-                <a:ea typeface="Microsoft Himalaya" panose="01010100010101010101" pitchFamily="2" charset="0"/>
-                <a:cs typeface="Microsoft Himalaya" panose="01010100010101010101" pitchFamily="2" charset="0"/>
-              </a:rPr>
-              <a:t>Discussion</a:t>
-            </a:r>
           </a:p>
         </p:txBody>
       </p:sp>
@@ -27468,6 +27886,128 @@
               <a:latin typeface="Roboto Light" panose="02000000000000000000" pitchFamily="2" charset="0"/>
               <a:ea typeface="Roboto Light" panose="02000000000000000000" pitchFamily="2" charset="0"/>
             </a:endParaRPr>
+          </a:p>
+        </p:txBody>
+      </p:sp>
+      <p:sp>
+        <p:nvSpPr>
+          <p:cNvPr id="5" name="TextBox 4">
+            <a:extLst>
+              <a:ext uri="{FF2B5EF4-FFF2-40B4-BE49-F238E27FC236}">
+                <a16:creationId xmlns:a16="http://schemas.microsoft.com/office/drawing/2014/main" id="{1331BC4B-0876-4F7B-A3A8-45DD4562E926}"/>
+              </a:ext>
+            </a:extLst>
+          </p:cNvPr>
+          <p:cNvSpPr txBox="1"/>
+          <p:nvPr/>
+        </p:nvSpPr>
+        <p:spPr>
+          <a:xfrm>
+            <a:off x="7110630" y="897942"/>
+            <a:ext cx="1773157" cy="758394"/>
+          </a:xfrm>
+          <a:prstGeom prst="rect">
+            <a:avLst/>
+          </a:prstGeom>
+          <a:solidFill>
+            <a:schemeClr val="bg1"/>
+          </a:solidFill>
+        </p:spPr>
+        <p:style>
+          <a:lnRef idx="1">
+            <a:schemeClr val="accent1"/>
+          </a:lnRef>
+          <a:fillRef idx="3">
+            <a:schemeClr val="accent1"/>
+          </a:fillRef>
+          <a:effectRef idx="2">
+            <a:schemeClr val="accent1"/>
+          </a:effectRef>
+          <a:fontRef idx="minor">
+            <a:schemeClr val="lt1"/>
+          </a:fontRef>
+        </p:style>
+        <p:txBody>
+          <a:bodyPr rot="0" spcFirstLastPara="0" vertOverflow="overflow" horzOverflow="overflow" vert="horz" wrap="square" lIns="91440" tIns="45720" rIns="91440" bIns="45720" numCol="1" spcCol="0" rtlCol="0" fromWordArt="0" anchor="ctr" anchorCtr="0" forceAA="0" compatLnSpc="1">
+            <a:prstTxWarp prst="textNoShape">
+              <a:avLst/>
+            </a:prstTxWarp>
+            <a:noAutofit/>
+          </a:bodyPr>
+          <a:lstStyle>
+            <a:defPPr>
+              <a:defRPr lang="en-US"/>
+            </a:defPPr>
+            <a:lvl1pPr algn="just">
+              <a:defRPr sz="1200">
+                <a:solidFill>
+                  <a:srgbClr val="6600FF"/>
+                </a:solidFill>
+              </a:defRPr>
+            </a:lvl1pPr>
+            <a:lvl2pPr>
+              <a:defRPr>
+                <a:solidFill>
+                  <a:schemeClr val="lt1"/>
+                </a:solidFill>
+              </a:defRPr>
+            </a:lvl2pPr>
+            <a:lvl3pPr>
+              <a:defRPr>
+                <a:solidFill>
+                  <a:schemeClr val="lt1"/>
+                </a:solidFill>
+              </a:defRPr>
+            </a:lvl3pPr>
+            <a:lvl4pPr>
+              <a:defRPr>
+                <a:solidFill>
+                  <a:schemeClr val="lt1"/>
+                </a:solidFill>
+              </a:defRPr>
+            </a:lvl4pPr>
+            <a:lvl5pPr>
+              <a:defRPr>
+                <a:solidFill>
+                  <a:schemeClr val="lt1"/>
+                </a:solidFill>
+              </a:defRPr>
+            </a:lvl5pPr>
+            <a:lvl6pPr>
+              <a:defRPr>
+                <a:solidFill>
+                  <a:schemeClr val="lt1"/>
+                </a:solidFill>
+              </a:defRPr>
+            </a:lvl6pPr>
+            <a:lvl7pPr>
+              <a:defRPr>
+                <a:solidFill>
+                  <a:schemeClr val="lt1"/>
+                </a:solidFill>
+              </a:defRPr>
+            </a:lvl7pPr>
+            <a:lvl8pPr>
+              <a:defRPr>
+                <a:solidFill>
+                  <a:schemeClr val="lt1"/>
+                </a:solidFill>
+              </a:defRPr>
+            </a:lvl8pPr>
+            <a:lvl9pPr>
+              <a:defRPr>
+                <a:solidFill>
+                  <a:schemeClr val="lt1"/>
+                </a:solidFill>
+              </a:defRPr>
+            </a:lvl9pPr>
+          </a:lstStyle>
+          <a:p>
+            <a:r>
+              <a:rPr lang="en-US" dirty="0"/>
+              <a:t>Recall: We last discussed categorical and time-series data</a:t>
+            </a:r>
+            <a:endParaRPr lang="en-SG" dirty="0"/>
           </a:p>
         </p:txBody>
       </p:sp>
@@ -30025,6 +30565,24 @@
 </file>
 
 <file path=customXml/item1.xml><?xml version="1.0" encoding="utf-8"?>
+<p:properties xmlns:p="http://schemas.microsoft.com/office/2006/metadata/properties" xmlns:xsi="http://www.w3.org/2001/XMLSchema-instance" xmlns:pc="http://schemas.microsoft.com/office/infopath/2007/PartnerControls">
+  <documentManagement>
+    <_Version xmlns="http://schemas.microsoft.com/sharepoint/v3/fields" xsi:nil="true"/>
+    <_Status xmlns="http://schemas.microsoft.com/sharepoint/v3/fields">Not Started</_Status>
+  </documentManagement>
+</p:properties>
+</file>
+
+<file path=customXml/item2.xml><?xml version="1.0" encoding="utf-8"?>
+<?mso-contentType ?>
+<FormTemplates xmlns="http://schemas.microsoft.com/sharepoint/v3/contenttype/forms">
+  <Display>DocumentLibraryForm</Display>
+  <Edit>DocumentLibraryForm</Edit>
+  <New>DocumentLibraryForm</New>
+</FormTemplates>
+</file>
+
+<file path=customXml/item3.xml><?xml version="1.0" encoding="utf-8"?>
 <ct:contentTypeSchema xmlns:ct="http://schemas.microsoft.com/office/2006/metadata/contentType" xmlns:ma="http://schemas.microsoft.com/office/2006/metadata/properties/metaAttributes" ct:_="" ma:_="" ma:contentTypeName="Document" ma:contentTypeID="0x0101000DE64AEEDD9B7A4D93545ACBE97D4615" ma:contentTypeVersion="2" ma:contentTypeDescription="Create a new document." ma:contentTypeScope="" ma:versionID="f49002b78e3a4a71b814eef46a983816">
   <xsd:schema xmlns:xsd="http://www.w3.org/2001/XMLSchema" xmlns:xs="http://www.w3.org/2001/XMLSchema" xmlns:p="http://schemas.microsoft.com/office/2006/metadata/properties" xmlns:ns2="http://schemas.microsoft.com/sharepoint/v3/fields" targetNamespace="http://schemas.microsoft.com/office/2006/metadata/properties" ma:root="true" ma:fieldsID="38f6db2dd0d9a0cf6a8dc37be32b365b" ns2:_="">
     <xsd:import namespace="http://schemas.microsoft.com/sharepoint/v3/fields"/>
@@ -30168,25 +30726,25 @@
 </ct:contentTypeSchema>
 </file>
 
-<file path=customXml/item2.xml><?xml version="1.0" encoding="utf-8"?>
-<?mso-contentType ?>
-<FormTemplates xmlns="http://schemas.microsoft.com/sharepoint/v3/contenttype/forms">
-  <Display>DocumentLibraryForm</Display>
-  <Edit>DocumentLibraryForm</Edit>
-  <New>DocumentLibraryForm</New>
-</FormTemplates>
+<file path=customXml/itemProps1.xml><?xml version="1.0" encoding="utf-8"?>
+<ds:datastoreItem xmlns:ds="http://schemas.openxmlformats.org/officeDocument/2006/customXml" ds:itemID="{7B6F2769-7194-4217-93D3-3AF3A4742282}">
+  <ds:schemaRefs>
+    <ds:schemaRef ds:uri="http://schemas.microsoft.com/office/2006/metadata/properties"/>
+    <ds:schemaRef ds:uri="http://schemas.microsoft.com/office/infopath/2007/PartnerControls"/>
+    <ds:schemaRef ds:uri="http://schemas.microsoft.com/sharepoint/v3/fields"/>
+  </ds:schemaRefs>
+</ds:datastoreItem>
 </file>
 
-<file path=customXml/item3.xml><?xml version="1.0" encoding="utf-8"?>
-<p:properties xmlns:p="http://schemas.microsoft.com/office/2006/metadata/properties" xmlns:xsi="http://www.w3.org/2001/XMLSchema-instance" xmlns:pc="http://schemas.microsoft.com/office/infopath/2007/PartnerControls">
-  <documentManagement>
-    <_Version xmlns="http://schemas.microsoft.com/sharepoint/v3/fields" xsi:nil="true"/>
-    <_Status xmlns="http://schemas.microsoft.com/sharepoint/v3/fields">Not Started</_Status>
-  </documentManagement>
-</p:properties>
+<file path=customXml/itemProps2.xml><?xml version="1.0" encoding="utf-8"?>
+<ds:datastoreItem xmlns:ds="http://schemas.openxmlformats.org/officeDocument/2006/customXml" ds:itemID="{87D2A1B0-FF3E-4009-940D-AED0EB70AA20}">
+  <ds:schemaRefs>
+    <ds:schemaRef ds:uri="http://schemas.microsoft.com/sharepoint/v3/contenttype/forms"/>
+  </ds:schemaRefs>
+</ds:datastoreItem>
 </file>
 
-<file path=customXml/itemProps1.xml><?xml version="1.0" encoding="utf-8"?>
+<file path=customXml/itemProps3.xml><?xml version="1.0" encoding="utf-8"?>
 <ds:datastoreItem xmlns:ds="http://schemas.openxmlformats.org/officeDocument/2006/customXml" ds:itemID="{E4214858-785C-42F7-BE66-6D0E79395FC8}">
   <ds:schemaRefs>
     <ds:schemaRef ds:uri="http://schemas.microsoft.com/office/2006/metadata/contentType"/>
@@ -30202,22 +30760,4 @@
     <ds:schemaRef ds:uri="http://schemas.microsoft.com/internal/obd"/>
   </ds:schemaRefs>
 </ds:datastoreItem>
-</file>
-
-<file path=customXml/itemProps2.xml><?xml version="1.0" encoding="utf-8"?>
-<ds:datastoreItem xmlns:ds="http://schemas.openxmlformats.org/officeDocument/2006/customXml" ds:itemID="{87D2A1B0-FF3E-4009-940D-AED0EB70AA20}">
-  <ds:schemaRefs>
-    <ds:schemaRef ds:uri="http://schemas.microsoft.com/sharepoint/v3/contenttype/forms"/>
-  </ds:schemaRefs>
-</ds:datastoreItem>
-</file>
-
-<file path=customXml/itemProps3.xml><?xml version="1.0" encoding="utf-8"?>
-<ds:datastoreItem xmlns:ds="http://schemas.openxmlformats.org/officeDocument/2006/customXml" ds:itemID="{7B6F2769-7194-4217-93D3-3AF3A4742282}">
-  <ds:schemaRefs>
-    <ds:schemaRef ds:uri="http://schemas.microsoft.com/office/2006/metadata/properties"/>
-    <ds:schemaRef ds:uri="http://schemas.microsoft.com/office/infopath/2007/PartnerControls"/>
-    <ds:schemaRef ds:uri="http://schemas.microsoft.com/sharepoint/v3/fields"/>
-  </ds:schemaRefs>
-</ds:datastoreItem>
 </file>
--- a/SuSS/2022_ANL201_Viz_Biz/3_Lecture/ANL201 Study Unit 5_2022 - Lecturer.pptx
+++ b/SuSS/2022_ANL201_Viz_Biz/3_Lecture/ANL201 Study Unit 5_2022 - Lecturer.pptx
@@ -24561,6 +24561,1041 @@
           </a:prstGeom>
         </p:spPr>
       </p:pic>
+      <p:sp>
+        <p:nvSpPr>
+          <p:cNvPr id="7" name="TextBox 6">
+            <a:extLst>
+              <a:ext uri="{FF2B5EF4-FFF2-40B4-BE49-F238E27FC236}">
+                <a16:creationId xmlns:a16="http://schemas.microsoft.com/office/drawing/2014/main" id="{40EE3015-8FC4-45E6-9EEC-B8E087FF0BEC}"/>
+              </a:ext>
+            </a:extLst>
+          </p:cNvPr>
+          <p:cNvSpPr txBox="1"/>
+          <p:nvPr/>
+        </p:nvSpPr>
+        <p:spPr>
+          <a:xfrm>
+            <a:off x="1386509" y="2571750"/>
+            <a:ext cx="2523064" cy="412869"/>
+          </a:xfrm>
+          <a:prstGeom prst="rect">
+            <a:avLst/>
+          </a:prstGeom>
+          <a:solidFill>
+            <a:schemeClr val="bg1"/>
+          </a:solidFill>
+        </p:spPr>
+        <p:style>
+          <a:lnRef idx="1">
+            <a:schemeClr val="accent1"/>
+          </a:lnRef>
+          <a:fillRef idx="3">
+            <a:schemeClr val="accent1"/>
+          </a:fillRef>
+          <a:effectRef idx="2">
+            <a:schemeClr val="accent1"/>
+          </a:effectRef>
+          <a:fontRef idx="minor">
+            <a:schemeClr val="lt1"/>
+          </a:fontRef>
+        </p:style>
+        <p:txBody>
+          <a:bodyPr rot="0" spcFirstLastPara="0" vertOverflow="overflow" horzOverflow="overflow" vert="horz" wrap="square" lIns="91440" tIns="45720" rIns="91440" bIns="45720" numCol="1" spcCol="0" rtlCol="0" fromWordArt="0" anchor="ctr" anchorCtr="0" forceAA="0" compatLnSpc="1">
+            <a:prstTxWarp prst="textNoShape">
+              <a:avLst/>
+            </a:prstTxWarp>
+            <a:noAutofit/>
+          </a:bodyPr>
+          <a:lstStyle>
+            <a:defPPr>
+              <a:defRPr lang="en-US"/>
+            </a:defPPr>
+            <a:lvl1pPr>
+              <a:defRPr sz="1200">
+                <a:solidFill>
+                  <a:srgbClr val="6600FF"/>
+                </a:solidFill>
+              </a:defRPr>
+            </a:lvl1pPr>
+            <a:lvl2pPr>
+              <a:defRPr>
+                <a:solidFill>
+                  <a:schemeClr val="lt1"/>
+                </a:solidFill>
+              </a:defRPr>
+            </a:lvl2pPr>
+            <a:lvl3pPr>
+              <a:defRPr>
+                <a:solidFill>
+                  <a:schemeClr val="lt1"/>
+                </a:solidFill>
+              </a:defRPr>
+            </a:lvl3pPr>
+            <a:lvl4pPr>
+              <a:defRPr>
+                <a:solidFill>
+                  <a:schemeClr val="lt1"/>
+                </a:solidFill>
+              </a:defRPr>
+            </a:lvl4pPr>
+            <a:lvl5pPr>
+              <a:defRPr>
+                <a:solidFill>
+                  <a:schemeClr val="lt1"/>
+                </a:solidFill>
+              </a:defRPr>
+            </a:lvl5pPr>
+            <a:lvl6pPr>
+              <a:defRPr>
+                <a:solidFill>
+                  <a:schemeClr val="lt1"/>
+                </a:solidFill>
+              </a:defRPr>
+            </a:lvl6pPr>
+            <a:lvl7pPr>
+              <a:defRPr>
+                <a:solidFill>
+                  <a:schemeClr val="lt1"/>
+                </a:solidFill>
+              </a:defRPr>
+            </a:lvl7pPr>
+            <a:lvl8pPr>
+              <a:defRPr>
+                <a:solidFill>
+                  <a:schemeClr val="lt1"/>
+                </a:solidFill>
+              </a:defRPr>
+            </a:lvl8pPr>
+            <a:lvl9pPr>
+              <a:defRPr>
+                <a:solidFill>
+                  <a:schemeClr val="lt1"/>
+                </a:solidFill>
+              </a:defRPr>
+            </a:lvl9pPr>
+          </a:lstStyle>
+          <a:p>
+            <a:r>
+              <a:rPr lang="en-US" dirty="0"/>
+              <a:t>Box = Middle two quartiles of data's distribution (P25 to P75)</a:t>
+            </a:r>
+            <a:endParaRPr lang="en-SG" dirty="0"/>
+          </a:p>
+        </p:txBody>
+      </p:sp>
+      <p:sp>
+        <p:nvSpPr>
+          <p:cNvPr id="10" name="Right Brace 9">
+            <a:extLst>
+              <a:ext uri="{FF2B5EF4-FFF2-40B4-BE49-F238E27FC236}">
+                <a16:creationId xmlns:a16="http://schemas.microsoft.com/office/drawing/2014/main" id="{5757351F-BCAC-4B3F-8633-13B32F2E6C60}"/>
+              </a:ext>
+            </a:extLst>
+          </p:cNvPr>
+          <p:cNvSpPr/>
+          <p:nvPr/>
+        </p:nvSpPr>
+        <p:spPr>
+          <a:xfrm rot="10800000">
+            <a:off x="4881600" y="2534457"/>
+            <a:ext cx="136800" cy="412870"/>
+          </a:xfrm>
+          <a:prstGeom prst="rightBrace">
+            <a:avLst/>
+          </a:prstGeom>
+        </p:spPr>
+        <p:style>
+          <a:lnRef idx="2">
+            <a:schemeClr val="accent1"/>
+          </a:lnRef>
+          <a:fillRef idx="0">
+            <a:schemeClr val="accent1"/>
+          </a:fillRef>
+          <a:effectRef idx="1">
+            <a:schemeClr val="accent1"/>
+          </a:effectRef>
+          <a:fontRef idx="minor">
+            <a:schemeClr val="tx1"/>
+          </a:fontRef>
+        </p:style>
+        <p:txBody>
+          <a:bodyPr rtlCol="0" anchor="ctr"/>
+          <a:lstStyle/>
+          <a:p>
+            <a:pPr algn="ctr"/>
+            <a:endParaRPr lang="en-SG"/>
+          </a:p>
+        </p:txBody>
+      </p:sp>
+      <p:cxnSp>
+        <p:nvCxnSpPr>
+          <p:cNvPr id="12" name="Straight Arrow Connector 11">
+            <a:extLst>
+              <a:ext uri="{FF2B5EF4-FFF2-40B4-BE49-F238E27FC236}">
+                <a16:creationId xmlns:a16="http://schemas.microsoft.com/office/drawing/2014/main" id="{440B5A8D-5EB8-46EF-B199-D2B5CBB381D9}"/>
+              </a:ext>
+            </a:extLst>
+          </p:cNvPr>
+          <p:cNvCxnSpPr>
+            <a:cxnSpLocks/>
+            <a:stCxn id="10" idx="1"/>
+            <a:endCxn id="7" idx="3"/>
+          </p:cNvCxnSpPr>
+          <p:nvPr/>
+        </p:nvCxnSpPr>
+        <p:spPr>
+          <a:xfrm flipH="1">
+            <a:off x="3909573" y="2740892"/>
+            <a:ext cx="972027" cy="37293"/>
+          </a:xfrm>
+          <a:prstGeom prst="straightConnector1">
+            <a:avLst/>
+          </a:prstGeom>
+          <a:ln>
+            <a:tailEnd type="triangle"/>
+          </a:ln>
+        </p:spPr>
+        <p:style>
+          <a:lnRef idx="2">
+            <a:schemeClr val="accent1"/>
+          </a:lnRef>
+          <a:fillRef idx="0">
+            <a:schemeClr val="accent1"/>
+          </a:fillRef>
+          <a:effectRef idx="1">
+            <a:schemeClr val="accent1"/>
+          </a:effectRef>
+          <a:fontRef idx="minor">
+            <a:schemeClr val="tx1"/>
+          </a:fontRef>
+        </p:style>
+      </p:cxnSp>
+      <p:cxnSp>
+        <p:nvCxnSpPr>
+          <p:cNvPr id="13" name="Straight Arrow Connector 12">
+            <a:extLst>
+              <a:ext uri="{FF2B5EF4-FFF2-40B4-BE49-F238E27FC236}">
+                <a16:creationId xmlns:a16="http://schemas.microsoft.com/office/drawing/2014/main" id="{A37BE8A7-342A-423A-9862-09166DC9C9D4}"/>
+              </a:ext>
+            </a:extLst>
+          </p:cNvPr>
+          <p:cNvCxnSpPr>
+            <a:cxnSpLocks/>
+            <a:endCxn id="16" idx="3"/>
+          </p:cNvCxnSpPr>
+          <p:nvPr/>
+        </p:nvCxnSpPr>
+        <p:spPr>
+          <a:xfrm flipH="1">
+            <a:off x="4210942" y="1990368"/>
+            <a:ext cx="1448260" cy="112507"/>
+          </a:xfrm>
+          <a:prstGeom prst="straightConnector1">
+            <a:avLst/>
+          </a:prstGeom>
+          <a:ln>
+            <a:tailEnd type="triangle"/>
+          </a:ln>
+        </p:spPr>
+        <p:style>
+          <a:lnRef idx="2">
+            <a:schemeClr val="accent1"/>
+          </a:lnRef>
+          <a:fillRef idx="0">
+            <a:schemeClr val="accent1"/>
+          </a:fillRef>
+          <a:effectRef idx="1">
+            <a:schemeClr val="accent1"/>
+          </a:effectRef>
+          <a:fontRef idx="minor">
+            <a:schemeClr val="tx1"/>
+          </a:fontRef>
+        </p:style>
+      </p:cxnSp>
+      <p:sp>
+        <p:nvSpPr>
+          <p:cNvPr id="16" name="TextBox 15">
+            <a:extLst>
+              <a:ext uri="{FF2B5EF4-FFF2-40B4-BE49-F238E27FC236}">
+                <a16:creationId xmlns:a16="http://schemas.microsoft.com/office/drawing/2014/main" id="{4D4C3A81-3E29-4A5D-BF06-76FDDA3A2956}"/>
+              </a:ext>
+            </a:extLst>
+          </p:cNvPr>
+          <p:cNvSpPr txBox="1"/>
+          <p:nvPr/>
+        </p:nvSpPr>
+        <p:spPr>
+          <a:xfrm>
+            <a:off x="1231200" y="1896440"/>
+            <a:ext cx="2979742" cy="412869"/>
+          </a:xfrm>
+          <a:prstGeom prst="rect">
+            <a:avLst/>
+          </a:prstGeom>
+          <a:solidFill>
+            <a:schemeClr val="bg1"/>
+          </a:solidFill>
+        </p:spPr>
+        <p:style>
+          <a:lnRef idx="1">
+            <a:schemeClr val="accent1"/>
+          </a:lnRef>
+          <a:fillRef idx="3">
+            <a:schemeClr val="accent1"/>
+          </a:fillRef>
+          <a:effectRef idx="2">
+            <a:schemeClr val="accent1"/>
+          </a:effectRef>
+          <a:fontRef idx="minor">
+            <a:schemeClr val="lt1"/>
+          </a:fontRef>
+        </p:style>
+        <p:txBody>
+          <a:bodyPr rot="0" spcFirstLastPara="0" vertOverflow="overflow" horzOverflow="overflow" vert="horz" wrap="square" lIns="91440" tIns="45720" rIns="91440" bIns="45720" numCol="1" spcCol="0" rtlCol="0" fromWordArt="0" anchor="ctr" anchorCtr="0" forceAA="0" compatLnSpc="1">
+            <a:prstTxWarp prst="textNoShape">
+              <a:avLst/>
+            </a:prstTxWarp>
+            <a:noAutofit/>
+          </a:bodyPr>
+          <a:lstStyle>
+            <a:defPPr>
+              <a:defRPr lang="en-US"/>
+            </a:defPPr>
+            <a:lvl1pPr>
+              <a:defRPr sz="1200">
+                <a:solidFill>
+                  <a:srgbClr val="6600FF"/>
+                </a:solidFill>
+              </a:defRPr>
+            </a:lvl1pPr>
+            <a:lvl2pPr>
+              <a:defRPr>
+                <a:solidFill>
+                  <a:schemeClr val="lt1"/>
+                </a:solidFill>
+              </a:defRPr>
+            </a:lvl2pPr>
+            <a:lvl3pPr>
+              <a:defRPr>
+                <a:solidFill>
+                  <a:schemeClr val="lt1"/>
+                </a:solidFill>
+              </a:defRPr>
+            </a:lvl3pPr>
+            <a:lvl4pPr>
+              <a:defRPr>
+                <a:solidFill>
+                  <a:schemeClr val="lt1"/>
+                </a:solidFill>
+              </a:defRPr>
+            </a:lvl4pPr>
+            <a:lvl5pPr>
+              <a:defRPr>
+                <a:solidFill>
+                  <a:schemeClr val="lt1"/>
+                </a:solidFill>
+              </a:defRPr>
+            </a:lvl5pPr>
+            <a:lvl6pPr>
+              <a:defRPr>
+                <a:solidFill>
+                  <a:schemeClr val="lt1"/>
+                </a:solidFill>
+              </a:defRPr>
+            </a:lvl6pPr>
+            <a:lvl7pPr>
+              <a:defRPr>
+                <a:solidFill>
+                  <a:schemeClr val="lt1"/>
+                </a:solidFill>
+              </a:defRPr>
+            </a:lvl7pPr>
+            <a:lvl8pPr>
+              <a:defRPr>
+                <a:solidFill>
+                  <a:schemeClr val="lt1"/>
+                </a:solidFill>
+              </a:defRPr>
+            </a:lvl8pPr>
+            <a:lvl9pPr>
+              <a:defRPr>
+                <a:solidFill>
+                  <a:schemeClr val="lt1"/>
+                </a:solidFill>
+              </a:defRPr>
+            </a:lvl9pPr>
+          </a:lstStyle>
+          <a:p>
+            <a:r>
+              <a:rPr lang="en-US" dirty="0"/>
+              <a:t>Whiskers = 1.5*interquartile range (IQR)</a:t>
+            </a:r>
+          </a:p>
+          <a:p>
+            <a:r>
+              <a:rPr lang="en-US"/>
+              <a:t>IQR = 1.5*(P75-P25)</a:t>
+            </a:r>
+            <a:endParaRPr lang="en-SG" dirty="0"/>
+          </a:p>
+        </p:txBody>
+      </p:sp>
+      <p:cxnSp>
+        <p:nvCxnSpPr>
+          <p:cNvPr id="18" name="Straight Arrow Connector 17">
+            <a:extLst>
+              <a:ext uri="{FF2B5EF4-FFF2-40B4-BE49-F238E27FC236}">
+                <a16:creationId xmlns:a16="http://schemas.microsoft.com/office/drawing/2014/main" id="{6F6519E7-FB7F-414C-8A49-16AA89D5F762}"/>
+              </a:ext>
+            </a:extLst>
+          </p:cNvPr>
+          <p:cNvCxnSpPr>
+            <a:cxnSpLocks/>
+            <a:endCxn id="25" idx="3"/>
+          </p:cNvCxnSpPr>
+          <p:nvPr/>
+        </p:nvCxnSpPr>
+        <p:spPr>
+          <a:xfrm flipH="1">
+            <a:off x="3564212" y="3261601"/>
+            <a:ext cx="1605388" cy="191894"/>
+          </a:xfrm>
+          <a:prstGeom prst="straightConnector1">
+            <a:avLst/>
+          </a:prstGeom>
+          <a:ln>
+            <a:tailEnd type="triangle"/>
+          </a:ln>
+        </p:spPr>
+        <p:style>
+          <a:lnRef idx="2">
+            <a:schemeClr val="accent1"/>
+          </a:lnRef>
+          <a:fillRef idx="0">
+            <a:schemeClr val="accent1"/>
+          </a:fillRef>
+          <a:effectRef idx="1">
+            <a:schemeClr val="accent1"/>
+          </a:effectRef>
+          <a:fontRef idx="minor">
+            <a:schemeClr val="tx1"/>
+          </a:fontRef>
+        </p:style>
+      </p:cxnSp>
+      <p:sp>
+        <p:nvSpPr>
+          <p:cNvPr id="25" name="TextBox 24">
+            <a:extLst>
+              <a:ext uri="{FF2B5EF4-FFF2-40B4-BE49-F238E27FC236}">
+                <a16:creationId xmlns:a16="http://schemas.microsoft.com/office/drawing/2014/main" id="{40676996-2D2E-46D3-917B-2DFD36E8222E}"/>
+              </a:ext>
+            </a:extLst>
+          </p:cNvPr>
+          <p:cNvSpPr txBox="1"/>
+          <p:nvPr/>
+        </p:nvSpPr>
+        <p:spPr>
+          <a:xfrm>
+            <a:off x="1504800" y="3349392"/>
+            <a:ext cx="2059412" cy="208205"/>
+          </a:xfrm>
+          <a:prstGeom prst="rect">
+            <a:avLst/>
+          </a:prstGeom>
+          <a:solidFill>
+            <a:schemeClr val="bg1"/>
+          </a:solidFill>
+        </p:spPr>
+        <p:style>
+          <a:lnRef idx="1">
+            <a:schemeClr val="accent1"/>
+          </a:lnRef>
+          <a:fillRef idx="3">
+            <a:schemeClr val="accent1"/>
+          </a:fillRef>
+          <a:effectRef idx="2">
+            <a:schemeClr val="accent1"/>
+          </a:effectRef>
+          <a:fontRef idx="minor">
+            <a:schemeClr val="lt1"/>
+          </a:fontRef>
+        </p:style>
+        <p:txBody>
+          <a:bodyPr rot="0" spcFirstLastPara="0" vertOverflow="overflow" horzOverflow="overflow" vert="horz" wrap="square" lIns="91440" tIns="45720" rIns="91440" bIns="45720" numCol="1" spcCol="0" rtlCol="0" fromWordArt="0" anchor="ctr" anchorCtr="0" forceAA="0" compatLnSpc="1">
+            <a:prstTxWarp prst="textNoShape">
+              <a:avLst/>
+            </a:prstTxWarp>
+            <a:noAutofit/>
+          </a:bodyPr>
+          <a:lstStyle>
+            <a:defPPr>
+              <a:defRPr lang="en-US"/>
+            </a:defPPr>
+            <a:lvl1pPr>
+              <a:defRPr sz="1200">
+                <a:solidFill>
+                  <a:srgbClr val="6600FF"/>
+                </a:solidFill>
+              </a:defRPr>
+            </a:lvl1pPr>
+            <a:lvl2pPr>
+              <a:defRPr>
+                <a:solidFill>
+                  <a:schemeClr val="lt1"/>
+                </a:solidFill>
+              </a:defRPr>
+            </a:lvl2pPr>
+            <a:lvl3pPr>
+              <a:defRPr>
+                <a:solidFill>
+                  <a:schemeClr val="lt1"/>
+                </a:solidFill>
+              </a:defRPr>
+            </a:lvl3pPr>
+            <a:lvl4pPr>
+              <a:defRPr>
+                <a:solidFill>
+                  <a:schemeClr val="lt1"/>
+                </a:solidFill>
+              </a:defRPr>
+            </a:lvl4pPr>
+            <a:lvl5pPr>
+              <a:defRPr>
+                <a:solidFill>
+                  <a:schemeClr val="lt1"/>
+                </a:solidFill>
+              </a:defRPr>
+            </a:lvl5pPr>
+            <a:lvl6pPr>
+              <a:defRPr>
+                <a:solidFill>
+                  <a:schemeClr val="lt1"/>
+                </a:solidFill>
+              </a:defRPr>
+            </a:lvl6pPr>
+            <a:lvl7pPr>
+              <a:defRPr>
+                <a:solidFill>
+                  <a:schemeClr val="lt1"/>
+                </a:solidFill>
+              </a:defRPr>
+            </a:lvl7pPr>
+            <a:lvl8pPr>
+              <a:defRPr>
+                <a:solidFill>
+                  <a:schemeClr val="lt1"/>
+                </a:solidFill>
+              </a:defRPr>
+            </a:lvl8pPr>
+            <a:lvl9pPr>
+              <a:defRPr>
+                <a:solidFill>
+                  <a:schemeClr val="lt1"/>
+                </a:solidFill>
+              </a:defRPr>
+            </a:lvl9pPr>
+          </a:lstStyle>
+          <a:p>
+            <a:r>
+              <a:rPr lang="en-US" dirty="0"/>
+              <a:t>Extreme points = Min/Max</a:t>
+            </a:r>
+            <a:endParaRPr lang="en-SG" dirty="0"/>
+          </a:p>
+        </p:txBody>
+      </p:sp>
+      <p:sp>
+        <p:nvSpPr>
+          <p:cNvPr id="28" name="TextBox 27">
+            <a:extLst>
+              <a:ext uri="{FF2B5EF4-FFF2-40B4-BE49-F238E27FC236}">
+                <a16:creationId xmlns:a16="http://schemas.microsoft.com/office/drawing/2014/main" id="{9295F7D9-B93A-4B53-805F-B90330ED7E03}"/>
+              </a:ext>
+            </a:extLst>
+          </p:cNvPr>
+          <p:cNvSpPr txBox="1"/>
+          <p:nvPr/>
+        </p:nvSpPr>
+        <p:spPr>
+          <a:xfrm>
+            <a:off x="6704574" y="3134470"/>
+            <a:ext cx="1589153" cy="208205"/>
+          </a:xfrm>
+          <a:prstGeom prst="rect">
+            <a:avLst/>
+          </a:prstGeom>
+          <a:solidFill>
+            <a:schemeClr val="bg1"/>
+          </a:solidFill>
+        </p:spPr>
+        <p:style>
+          <a:lnRef idx="1">
+            <a:schemeClr val="accent1"/>
+          </a:lnRef>
+          <a:fillRef idx="3">
+            <a:schemeClr val="accent1"/>
+          </a:fillRef>
+          <a:effectRef idx="2">
+            <a:schemeClr val="accent1"/>
+          </a:effectRef>
+          <a:fontRef idx="minor">
+            <a:schemeClr val="lt1"/>
+          </a:fontRef>
+        </p:style>
+        <p:txBody>
+          <a:bodyPr rot="0" spcFirstLastPara="0" vertOverflow="overflow" horzOverflow="overflow" vert="horz" wrap="square" lIns="91440" tIns="45720" rIns="91440" bIns="45720" numCol="1" spcCol="0" rtlCol="0" fromWordArt="0" anchor="ctr" anchorCtr="0" forceAA="0" compatLnSpc="1">
+            <a:prstTxWarp prst="textNoShape">
+              <a:avLst/>
+            </a:prstTxWarp>
+            <a:noAutofit/>
+          </a:bodyPr>
+          <a:lstStyle>
+            <a:defPPr>
+              <a:defRPr lang="en-US"/>
+            </a:defPPr>
+            <a:lvl1pPr>
+              <a:defRPr sz="1200">
+                <a:solidFill>
+                  <a:srgbClr val="6600FF"/>
+                </a:solidFill>
+              </a:defRPr>
+            </a:lvl1pPr>
+            <a:lvl2pPr>
+              <a:defRPr>
+                <a:solidFill>
+                  <a:schemeClr val="lt1"/>
+                </a:solidFill>
+              </a:defRPr>
+            </a:lvl2pPr>
+            <a:lvl3pPr>
+              <a:defRPr>
+                <a:solidFill>
+                  <a:schemeClr val="lt1"/>
+                </a:solidFill>
+              </a:defRPr>
+            </a:lvl3pPr>
+            <a:lvl4pPr>
+              <a:defRPr>
+                <a:solidFill>
+                  <a:schemeClr val="lt1"/>
+                </a:solidFill>
+              </a:defRPr>
+            </a:lvl4pPr>
+            <a:lvl5pPr>
+              <a:defRPr>
+                <a:solidFill>
+                  <a:schemeClr val="lt1"/>
+                </a:solidFill>
+              </a:defRPr>
+            </a:lvl5pPr>
+            <a:lvl6pPr>
+              <a:defRPr>
+                <a:solidFill>
+                  <a:schemeClr val="lt1"/>
+                </a:solidFill>
+              </a:defRPr>
+            </a:lvl6pPr>
+            <a:lvl7pPr>
+              <a:defRPr>
+                <a:solidFill>
+                  <a:schemeClr val="lt1"/>
+                </a:solidFill>
+              </a:defRPr>
+            </a:lvl7pPr>
+            <a:lvl8pPr>
+              <a:defRPr>
+                <a:solidFill>
+                  <a:schemeClr val="lt1"/>
+                </a:solidFill>
+              </a:defRPr>
+            </a:lvl8pPr>
+            <a:lvl9pPr>
+              <a:defRPr>
+                <a:solidFill>
+                  <a:schemeClr val="lt1"/>
+                </a:solidFill>
+              </a:defRPr>
+            </a:lvl9pPr>
+          </a:lstStyle>
+          <a:p>
+            <a:r>
+              <a:rPr lang="en-US" dirty="0"/>
+              <a:t>Lower Quartile (P25)</a:t>
+            </a:r>
+            <a:endParaRPr lang="en-SG" dirty="0"/>
+          </a:p>
+        </p:txBody>
+      </p:sp>
+      <p:sp>
+        <p:nvSpPr>
+          <p:cNvPr id="29" name="TextBox 28">
+            <a:extLst>
+              <a:ext uri="{FF2B5EF4-FFF2-40B4-BE49-F238E27FC236}">
+                <a16:creationId xmlns:a16="http://schemas.microsoft.com/office/drawing/2014/main" id="{B05B9358-A26F-47A6-A64D-B55CFF60FE95}"/>
+              </a:ext>
+            </a:extLst>
+          </p:cNvPr>
+          <p:cNvSpPr txBox="1"/>
+          <p:nvPr/>
+        </p:nvSpPr>
+        <p:spPr>
+          <a:xfrm>
+            <a:off x="6704574" y="2236304"/>
+            <a:ext cx="1589153" cy="208205"/>
+          </a:xfrm>
+          <a:prstGeom prst="rect">
+            <a:avLst/>
+          </a:prstGeom>
+          <a:solidFill>
+            <a:schemeClr val="bg1"/>
+          </a:solidFill>
+        </p:spPr>
+        <p:style>
+          <a:lnRef idx="1">
+            <a:schemeClr val="accent1"/>
+          </a:lnRef>
+          <a:fillRef idx="3">
+            <a:schemeClr val="accent1"/>
+          </a:fillRef>
+          <a:effectRef idx="2">
+            <a:schemeClr val="accent1"/>
+          </a:effectRef>
+          <a:fontRef idx="minor">
+            <a:schemeClr val="lt1"/>
+          </a:fontRef>
+        </p:style>
+        <p:txBody>
+          <a:bodyPr rot="0" spcFirstLastPara="0" vertOverflow="overflow" horzOverflow="overflow" vert="horz" wrap="square" lIns="91440" tIns="45720" rIns="91440" bIns="45720" numCol="1" spcCol="0" rtlCol="0" fromWordArt="0" anchor="ctr" anchorCtr="0" forceAA="0" compatLnSpc="1">
+            <a:prstTxWarp prst="textNoShape">
+              <a:avLst/>
+            </a:prstTxWarp>
+            <a:noAutofit/>
+          </a:bodyPr>
+          <a:lstStyle>
+            <a:defPPr>
+              <a:defRPr lang="en-US"/>
+            </a:defPPr>
+            <a:lvl1pPr>
+              <a:defRPr sz="1200">
+                <a:solidFill>
+                  <a:srgbClr val="6600FF"/>
+                </a:solidFill>
+              </a:defRPr>
+            </a:lvl1pPr>
+            <a:lvl2pPr>
+              <a:defRPr>
+                <a:solidFill>
+                  <a:schemeClr val="lt1"/>
+                </a:solidFill>
+              </a:defRPr>
+            </a:lvl2pPr>
+            <a:lvl3pPr>
+              <a:defRPr>
+                <a:solidFill>
+                  <a:schemeClr val="lt1"/>
+                </a:solidFill>
+              </a:defRPr>
+            </a:lvl3pPr>
+            <a:lvl4pPr>
+              <a:defRPr>
+                <a:solidFill>
+                  <a:schemeClr val="lt1"/>
+                </a:solidFill>
+              </a:defRPr>
+            </a:lvl4pPr>
+            <a:lvl5pPr>
+              <a:defRPr>
+                <a:solidFill>
+                  <a:schemeClr val="lt1"/>
+                </a:solidFill>
+              </a:defRPr>
+            </a:lvl5pPr>
+            <a:lvl6pPr>
+              <a:defRPr>
+                <a:solidFill>
+                  <a:schemeClr val="lt1"/>
+                </a:solidFill>
+              </a:defRPr>
+            </a:lvl6pPr>
+            <a:lvl7pPr>
+              <a:defRPr>
+                <a:solidFill>
+                  <a:schemeClr val="lt1"/>
+                </a:solidFill>
+              </a:defRPr>
+            </a:lvl7pPr>
+            <a:lvl8pPr>
+              <a:defRPr>
+                <a:solidFill>
+                  <a:schemeClr val="lt1"/>
+                </a:solidFill>
+              </a:defRPr>
+            </a:lvl8pPr>
+            <a:lvl9pPr>
+              <a:defRPr>
+                <a:solidFill>
+                  <a:schemeClr val="lt1"/>
+                </a:solidFill>
+              </a:defRPr>
+            </a:lvl9pPr>
+          </a:lstStyle>
+          <a:p>
+            <a:r>
+              <a:rPr lang="en-US" dirty="0"/>
+              <a:t>Upper Quartile (P75)</a:t>
+            </a:r>
+            <a:endParaRPr lang="en-SG" dirty="0"/>
+          </a:p>
+        </p:txBody>
+      </p:sp>
+      <p:cxnSp>
+        <p:nvCxnSpPr>
+          <p:cNvPr id="30" name="Straight Arrow Connector 29">
+            <a:extLst>
+              <a:ext uri="{FF2B5EF4-FFF2-40B4-BE49-F238E27FC236}">
+                <a16:creationId xmlns:a16="http://schemas.microsoft.com/office/drawing/2014/main" id="{DD97E6C8-A473-469A-A641-4F7756737D47}"/>
+              </a:ext>
+            </a:extLst>
+          </p:cNvPr>
+          <p:cNvCxnSpPr>
+            <a:cxnSpLocks/>
+            <a:endCxn id="28" idx="1"/>
+          </p:cNvCxnSpPr>
+          <p:nvPr/>
+        </p:nvCxnSpPr>
+        <p:spPr>
+          <a:xfrm>
+            <a:off x="6249755" y="2990807"/>
+            <a:ext cx="454819" cy="247766"/>
+          </a:xfrm>
+          <a:prstGeom prst="straightConnector1">
+            <a:avLst/>
+          </a:prstGeom>
+          <a:ln>
+            <a:tailEnd type="triangle"/>
+          </a:ln>
+        </p:spPr>
+        <p:style>
+          <a:lnRef idx="2">
+            <a:schemeClr val="accent1"/>
+          </a:lnRef>
+          <a:fillRef idx="0">
+            <a:schemeClr val="accent1"/>
+          </a:fillRef>
+          <a:effectRef idx="1">
+            <a:schemeClr val="accent1"/>
+          </a:effectRef>
+          <a:fontRef idx="minor">
+            <a:schemeClr val="tx1"/>
+          </a:fontRef>
+        </p:style>
+      </p:cxnSp>
+      <p:cxnSp>
+        <p:nvCxnSpPr>
+          <p:cNvPr id="33" name="Straight Arrow Connector 32">
+            <a:extLst>
+              <a:ext uri="{FF2B5EF4-FFF2-40B4-BE49-F238E27FC236}">
+                <a16:creationId xmlns:a16="http://schemas.microsoft.com/office/drawing/2014/main" id="{E82FA147-C69A-4B9C-A048-41D3C5A92652}"/>
+              </a:ext>
+            </a:extLst>
+          </p:cNvPr>
+          <p:cNvCxnSpPr>
+            <a:cxnSpLocks/>
+            <a:endCxn id="29" idx="1"/>
+          </p:cNvCxnSpPr>
+          <p:nvPr/>
+        </p:nvCxnSpPr>
+        <p:spPr>
+          <a:xfrm flipV="1">
+            <a:off x="6148800" y="2340407"/>
+            <a:ext cx="555774" cy="322378"/>
+          </a:xfrm>
+          <a:prstGeom prst="straightConnector1">
+            <a:avLst/>
+          </a:prstGeom>
+          <a:ln>
+            <a:tailEnd type="triangle"/>
+          </a:ln>
+        </p:spPr>
+        <p:style>
+          <a:lnRef idx="2">
+            <a:schemeClr val="accent1"/>
+          </a:lnRef>
+          <a:fillRef idx="0">
+            <a:schemeClr val="accent1"/>
+          </a:fillRef>
+          <a:effectRef idx="1">
+            <a:schemeClr val="accent1"/>
+          </a:effectRef>
+          <a:fontRef idx="minor">
+            <a:schemeClr val="tx1"/>
+          </a:fontRef>
+        </p:style>
+      </p:cxnSp>
+      <p:sp>
+        <p:nvSpPr>
+          <p:cNvPr id="38" name="TextBox 37">
+            <a:extLst>
+              <a:ext uri="{FF2B5EF4-FFF2-40B4-BE49-F238E27FC236}">
+                <a16:creationId xmlns:a16="http://schemas.microsoft.com/office/drawing/2014/main" id="{DE51BA02-2623-4520-A7F1-8C71F04A11E7}"/>
+              </a:ext>
+            </a:extLst>
+          </p:cNvPr>
+          <p:cNvSpPr txBox="1"/>
+          <p:nvPr/>
+        </p:nvSpPr>
+        <p:spPr>
+          <a:xfrm>
+            <a:off x="6721227" y="2727798"/>
+            <a:ext cx="1589153" cy="208205"/>
+          </a:xfrm>
+          <a:prstGeom prst="rect">
+            <a:avLst/>
+          </a:prstGeom>
+          <a:solidFill>
+            <a:schemeClr val="bg1"/>
+          </a:solidFill>
+        </p:spPr>
+        <p:style>
+          <a:lnRef idx="1">
+            <a:schemeClr val="accent1"/>
+          </a:lnRef>
+          <a:fillRef idx="3">
+            <a:schemeClr val="accent1"/>
+          </a:fillRef>
+          <a:effectRef idx="2">
+            <a:schemeClr val="accent1"/>
+          </a:effectRef>
+          <a:fontRef idx="minor">
+            <a:schemeClr val="lt1"/>
+          </a:fontRef>
+        </p:style>
+        <p:txBody>
+          <a:bodyPr rot="0" spcFirstLastPara="0" vertOverflow="overflow" horzOverflow="overflow" vert="horz" wrap="square" lIns="91440" tIns="45720" rIns="91440" bIns="45720" numCol="1" spcCol="0" rtlCol="0" fromWordArt="0" anchor="ctr" anchorCtr="0" forceAA="0" compatLnSpc="1">
+            <a:prstTxWarp prst="textNoShape">
+              <a:avLst/>
+            </a:prstTxWarp>
+            <a:noAutofit/>
+          </a:bodyPr>
+          <a:lstStyle>
+            <a:defPPr>
+              <a:defRPr lang="en-US"/>
+            </a:defPPr>
+            <a:lvl1pPr>
+              <a:defRPr sz="1200">
+                <a:solidFill>
+                  <a:srgbClr val="6600FF"/>
+                </a:solidFill>
+              </a:defRPr>
+            </a:lvl1pPr>
+            <a:lvl2pPr>
+              <a:defRPr>
+                <a:solidFill>
+                  <a:schemeClr val="lt1"/>
+                </a:solidFill>
+              </a:defRPr>
+            </a:lvl2pPr>
+            <a:lvl3pPr>
+              <a:defRPr>
+                <a:solidFill>
+                  <a:schemeClr val="lt1"/>
+                </a:solidFill>
+              </a:defRPr>
+            </a:lvl3pPr>
+            <a:lvl4pPr>
+              <a:defRPr>
+                <a:solidFill>
+                  <a:schemeClr val="lt1"/>
+                </a:solidFill>
+              </a:defRPr>
+            </a:lvl4pPr>
+            <a:lvl5pPr>
+              <a:defRPr>
+                <a:solidFill>
+                  <a:schemeClr val="lt1"/>
+                </a:solidFill>
+              </a:defRPr>
+            </a:lvl5pPr>
+            <a:lvl6pPr>
+              <a:defRPr>
+                <a:solidFill>
+                  <a:schemeClr val="lt1"/>
+                </a:solidFill>
+              </a:defRPr>
+            </a:lvl6pPr>
+            <a:lvl7pPr>
+              <a:defRPr>
+                <a:solidFill>
+                  <a:schemeClr val="lt1"/>
+                </a:solidFill>
+              </a:defRPr>
+            </a:lvl7pPr>
+            <a:lvl8pPr>
+              <a:defRPr>
+                <a:solidFill>
+                  <a:schemeClr val="lt1"/>
+                </a:solidFill>
+              </a:defRPr>
+            </a:lvl8pPr>
+            <a:lvl9pPr>
+              <a:defRPr>
+                <a:solidFill>
+                  <a:schemeClr val="lt1"/>
+                </a:solidFill>
+              </a:defRPr>
+            </a:lvl9pPr>
+          </a:lstStyle>
+          <a:p>
+            <a:r>
+              <a:rPr lang="en-US" dirty="0"/>
+              <a:t>Median (P50)</a:t>
+            </a:r>
+            <a:endParaRPr lang="en-SG" dirty="0"/>
+          </a:p>
+        </p:txBody>
+      </p:sp>
+      <p:cxnSp>
+        <p:nvCxnSpPr>
+          <p:cNvPr id="39" name="Straight Arrow Connector 38">
+            <a:extLst>
+              <a:ext uri="{FF2B5EF4-FFF2-40B4-BE49-F238E27FC236}">
+                <a16:creationId xmlns:a16="http://schemas.microsoft.com/office/drawing/2014/main" id="{D9B0629E-C403-4E37-B56C-DA204C268288}"/>
+              </a:ext>
+            </a:extLst>
+          </p:cNvPr>
+          <p:cNvCxnSpPr>
+            <a:cxnSpLocks/>
+            <a:endCxn id="38" idx="1"/>
+          </p:cNvCxnSpPr>
+          <p:nvPr/>
+        </p:nvCxnSpPr>
+        <p:spPr>
+          <a:xfrm flipV="1">
+            <a:off x="6266408" y="2831901"/>
+            <a:ext cx="454819" cy="25202"/>
+          </a:xfrm>
+          <a:prstGeom prst="straightConnector1">
+            <a:avLst/>
+          </a:prstGeom>
+          <a:ln>
+            <a:tailEnd type="triangle"/>
+          </a:ln>
+        </p:spPr>
+        <p:style>
+          <a:lnRef idx="2">
+            <a:schemeClr val="accent1"/>
+          </a:lnRef>
+          <a:fillRef idx="0">
+            <a:schemeClr val="accent1"/>
+          </a:fillRef>
+          <a:effectRef idx="1">
+            <a:schemeClr val="accent1"/>
+          </a:effectRef>
+          <a:fontRef idx="minor">
+            <a:schemeClr val="tx1"/>
+          </a:fontRef>
+        </p:style>
+      </p:cxnSp>
     </p:spTree>
     <p:extLst>
       <p:ext uri="{BB962C8B-B14F-4D97-AF65-F5344CB8AC3E}">
@@ -25693,7 +26728,7 @@
         <p:spPr>
           <a:xfrm>
             <a:off x="1153486" y="772284"/>
-            <a:ext cx="6841222" cy="3616375"/>
+            <a:ext cx="6841222" cy="3370153"/>
           </a:xfrm>
           <a:prstGeom prst="rect">
             <a:avLst/>
@@ -25801,7 +26836,7 @@
             </a:pPr>
             <a:r>
               <a:rPr lang="en-SG" sz="1600" dirty="0"/>
-              <a:t>Use Global Superstore 2016 – Order Data, Using filter on country to retrieve only US data</a:t>
+              <a:t>Use Global Superstore 2016 – Use filter to retrieve only US data</a:t>
             </a:r>
           </a:p>
           <a:p>
@@ -30565,24 +31600,6 @@
 </file>
 
 <file path=customXml/item1.xml><?xml version="1.0" encoding="utf-8"?>
-<p:properties xmlns:p="http://schemas.microsoft.com/office/2006/metadata/properties" xmlns:xsi="http://www.w3.org/2001/XMLSchema-instance" xmlns:pc="http://schemas.microsoft.com/office/infopath/2007/PartnerControls">
-  <documentManagement>
-    <_Version xmlns="http://schemas.microsoft.com/sharepoint/v3/fields" xsi:nil="true"/>
-    <_Status xmlns="http://schemas.microsoft.com/sharepoint/v3/fields">Not Started</_Status>
-  </documentManagement>
-</p:properties>
-</file>
-
-<file path=customXml/item2.xml><?xml version="1.0" encoding="utf-8"?>
-<?mso-contentType ?>
-<FormTemplates xmlns="http://schemas.microsoft.com/sharepoint/v3/contenttype/forms">
-  <Display>DocumentLibraryForm</Display>
-  <Edit>DocumentLibraryForm</Edit>
-  <New>DocumentLibraryForm</New>
-</FormTemplates>
-</file>
-
-<file path=customXml/item3.xml><?xml version="1.0" encoding="utf-8"?>
 <ct:contentTypeSchema xmlns:ct="http://schemas.microsoft.com/office/2006/metadata/contentType" xmlns:ma="http://schemas.microsoft.com/office/2006/metadata/properties/metaAttributes" ct:_="" ma:_="" ma:contentTypeName="Document" ma:contentTypeID="0x0101000DE64AEEDD9B7A4D93545ACBE97D4615" ma:contentTypeVersion="2" ma:contentTypeDescription="Create a new document." ma:contentTypeScope="" ma:versionID="f49002b78e3a4a71b814eef46a983816">
   <xsd:schema xmlns:xsd="http://www.w3.org/2001/XMLSchema" xmlns:xs="http://www.w3.org/2001/XMLSchema" xmlns:p="http://schemas.microsoft.com/office/2006/metadata/properties" xmlns:ns2="http://schemas.microsoft.com/sharepoint/v3/fields" targetNamespace="http://schemas.microsoft.com/office/2006/metadata/properties" ma:root="true" ma:fieldsID="38f6db2dd0d9a0cf6a8dc37be32b365b" ns2:_="">
     <xsd:import namespace="http://schemas.microsoft.com/sharepoint/v3/fields"/>
@@ -30726,25 +31743,25 @@
 </ct:contentTypeSchema>
 </file>
 
-<file path=customXml/itemProps1.xml><?xml version="1.0" encoding="utf-8"?>
-<ds:datastoreItem xmlns:ds="http://schemas.openxmlformats.org/officeDocument/2006/customXml" ds:itemID="{7B6F2769-7194-4217-93D3-3AF3A4742282}">
-  <ds:schemaRefs>
-    <ds:schemaRef ds:uri="http://schemas.microsoft.com/office/2006/metadata/properties"/>
-    <ds:schemaRef ds:uri="http://schemas.microsoft.com/office/infopath/2007/PartnerControls"/>
-    <ds:schemaRef ds:uri="http://schemas.microsoft.com/sharepoint/v3/fields"/>
-  </ds:schemaRefs>
-</ds:datastoreItem>
+<file path=customXml/item2.xml><?xml version="1.0" encoding="utf-8"?>
+<p:properties xmlns:p="http://schemas.microsoft.com/office/2006/metadata/properties" xmlns:xsi="http://www.w3.org/2001/XMLSchema-instance" xmlns:pc="http://schemas.microsoft.com/office/infopath/2007/PartnerControls">
+  <documentManagement>
+    <_Version xmlns="http://schemas.microsoft.com/sharepoint/v3/fields" xsi:nil="true"/>
+    <_Status xmlns="http://schemas.microsoft.com/sharepoint/v3/fields">Not Started</_Status>
+  </documentManagement>
+</p:properties>
 </file>
 
-<file path=customXml/itemProps2.xml><?xml version="1.0" encoding="utf-8"?>
-<ds:datastoreItem xmlns:ds="http://schemas.openxmlformats.org/officeDocument/2006/customXml" ds:itemID="{87D2A1B0-FF3E-4009-940D-AED0EB70AA20}">
-  <ds:schemaRefs>
-    <ds:schemaRef ds:uri="http://schemas.microsoft.com/sharepoint/v3/contenttype/forms"/>
-  </ds:schemaRefs>
-</ds:datastoreItem>
+<file path=customXml/item3.xml><?xml version="1.0" encoding="utf-8"?>
+<?mso-contentType ?>
+<FormTemplates xmlns="http://schemas.microsoft.com/sharepoint/v3/contenttype/forms">
+  <Display>DocumentLibraryForm</Display>
+  <Edit>DocumentLibraryForm</Edit>
+  <New>DocumentLibraryForm</New>
+</FormTemplates>
 </file>
 
-<file path=customXml/itemProps3.xml><?xml version="1.0" encoding="utf-8"?>
+<file path=customXml/itemProps1.xml><?xml version="1.0" encoding="utf-8"?>
 <ds:datastoreItem xmlns:ds="http://schemas.openxmlformats.org/officeDocument/2006/customXml" ds:itemID="{E4214858-785C-42F7-BE66-6D0E79395FC8}">
   <ds:schemaRefs>
     <ds:schemaRef ds:uri="http://schemas.microsoft.com/office/2006/metadata/contentType"/>
@@ -30760,4 +31777,22 @@
     <ds:schemaRef ds:uri="http://schemas.microsoft.com/internal/obd"/>
   </ds:schemaRefs>
 </ds:datastoreItem>
+</file>
+
+<file path=customXml/itemProps2.xml><?xml version="1.0" encoding="utf-8"?>
+<ds:datastoreItem xmlns:ds="http://schemas.openxmlformats.org/officeDocument/2006/customXml" ds:itemID="{7B6F2769-7194-4217-93D3-3AF3A4742282}">
+  <ds:schemaRefs>
+    <ds:schemaRef ds:uri="http://schemas.microsoft.com/office/2006/metadata/properties"/>
+    <ds:schemaRef ds:uri="http://schemas.microsoft.com/office/infopath/2007/PartnerControls"/>
+    <ds:schemaRef ds:uri="http://schemas.microsoft.com/sharepoint/v3/fields"/>
+  </ds:schemaRefs>
+</ds:datastoreItem>
+</file>
+
+<file path=customXml/itemProps3.xml><?xml version="1.0" encoding="utf-8"?>
+<ds:datastoreItem xmlns:ds="http://schemas.openxmlformats.org/officeDocument/2006/customXml" ds:itemID="{87D2A1B0-FF3E-4009-940D-AED0EB70AA20}">
+  <ds:schemaRefs>
+    <ds:schemaRef ds:uri="http://schemas.microsoft.com/sharepoint/v3/contenttype/forms"/>
+  </ds:schemaRefs>
+</ds:datastoreItem>
 </file>
--- a/SuSS/2022_ANL201_Viz_Biz/3_Lecture/ANL201 Study Unit 5_2022 - Lecturer.pptx
+++ b/SuSS/2022_ANL201_Viz_Biz/3_Lecture/ANL201 Study Unit 5_2022 - Lecturer.pptx
@@ -1849,6 +1849,10 @@
               </a:rPr>
               <a:t>https://help.tableau.com/current/pro/desktop/en-us/forecast_options.htm</a:t>
             </a:r>
+            <a:r>
+              <a:rPr lang="en-SG" dirty="0"/>
+              <a:t/>
+            </a:r>
             <a:br>
               <a:rPr lang="en-SG" dirty="0"/>
             </a:br>
@@ -1956,6 +1960,10 @@
             <a:endParaRPr lang="en-SG" dirty="0"/>
           </a:p>
           <a:p>
+            <a:r>
+              <a:rPr lang="en-SG" dirty="0"/>
+              <a:t/>
+            </a:r>
             <a:br>
               <a:rPr lang="en-SG" dirty="0"/>
             </a:br>
@@ -2544,6 +2552,10 @@
             </a:endParaRPr>
           </a:p>
           <a:p>
+            <a:r>
+              <a:rPr lang="en-US" dirty="0"/>
+              <a:t/>
+            </a:r>
             <a:br>
               <a:rPr lang="en-US" dirty="0"/>
             </a:br>
@@ -20074,6 +20086,13 @@
   <p:clrMapOvr>
     <a:masterClrMapping/>
   </p:clrMapOvr>
+  <p:timing>
+    <p:tnLst>
+      <p:par>
+        <p:cTn id="1" dur="indefinite" restart="never" nodeType="tmRoot"/>
+      </p:par>
+    </p:tnLst>
+  </p:timing>
 </p:sld>
 </file>
 
@@ -20175,6 +20194,13 @@
   <p:clrMapOvr>
     <a:masterClrMapping/>
   </p:clrMapOvr>
+  <p:timing>
+    <p:tnLst>
+      <p:par>
+        <p:cTn id="1" dur="indefinite" restart="never" nodeType="tmRoot"/>
+      </p:par>
+    </p:tnLst>
+  </p:timing>
 </p:sld>
 </file>
 
@@ -20470,6 +20496,13 @@
   <p:clrMapOvr>
     <a:masterClrMapping/>
   </p:clrMapOvr>
+  <p:timing>
+    <p:tnLst>
+      <p:par>
+        <p:cTn id="1" dur="indefinite" restart="never" nodeType="tmRoot"/>
+      </p:par>
+    </p:tnLst>
+  </p:timing>
 </p:sld>
 </file>
 
@@ -20917,6 +20950,13 @@
   <p:clrMapOvr>
     <a:masterClrMapping/>
   </p:clrMapOvr>
+  <p:timing>
+    <p:tnLst>
+      <p:par>
+        <p:cTn id="1" dur="indefinite" restart="never" nodeType="tmRoot"/>
+      </p:par>
+    </p:tnLst>
+  </p:timing>
 </p:sld>
 </file>
 
@@ -21177,7 +21217,7 @@
                 <a:hlinkClick r:id="rId5">
                   <a:extLst>
                     <a:ext uri="{A12FA001-AC4F-418D-AE19-62706E023703}">
-                      <ahyp:hlinkClr xmlns:ahyp="http://schemas.microsoft.com/office/drawing/2018/hyperlinkcolor" val="tx"/>
+                      <ahyp:hlinkClr xmlns:ahyp="http://schemas.microsoft.com/office/drawing/2018/hyperlinkcolor" xmlns="" val="tx"/>
                     </a:ext>
                   </a:extLst>
                 </a:hlinkClick>
@@ -21723,6 +21763,13 @@
   <p:clrMapOvr>
     <a:masterClrMapping/>
   </p:clrMapOvr>
+  <p:timing>
+    <p:tnLst>
+      <p:par>
+        <p:cTn id="1" dur="indefinite" restart="never" nodeType="tmRoot"/>
+      </p:par>
+    </p:tnLst>
+  </p:timing>
 </p:sld>
 </file>
 
@@ -21884,6 +21931,13 @@
   <p:clrMapOvr>
     <a:masterClrMapping/>
   </p:clrMapOvr>
+  <p:timing>
+    <p:tnLst>
+      <p:par>
+        <p:cTn id="1" dur="indefinite" restart="never" nodeType="tmRoot"/>
+      </p:par>
+    </p:tnLst>
+  </p:timing>
 </p:sld>
 </file>
 
@@ -22253,6 +22307,13 @@
   <p:clrMapOvr>
     <a:masterClrMapping/>
   </p:clrMapOvr>
+  <p:timing>
+    <p:tnLst>
+      <p:par>
+        <p:cTn id="1" dur="indefinite" restart="never" nodeType="tmRoot"/>
+      </p:par>
+    </p:tnLst>
+  </p:timing>
 </p:sld>
 </file>
 
@@ -22754,6 +22815,13 @@
   <p:clrMapOvr>
     <a:masterClrMapping/>
   </p:clrMapOvr>
+  <p:timing>
+    <p:tnLst>
+      <p:par>
+        <p:cTn id="1" dur="indefinite" restart="never" nodeType="tmRoot"/>
+      </p:par>
+    </p:tnLst>
+  </p:timing>
 </p:sld>
 </file>
 
@@ -22858,6 +22926,13 @@
   <p:clrMapOvr>
     <a:masterClrMapping/>
   </p:clrMapOvr>
+  <p:timing>
+    <p:tnLst>
+      <p:par>
+        <p:cTn id="1" dur="indefinite" restart="never" nodeType="tmRoot"/>
+      </p:par>
+    </p:tnLst>
+  </p:timing>
 </p:sld>
 </file>
 
@@ -23259,6 +23334,13 @@
   <p:clrMapOvr>
     <a:masterClrMapping/>
   </p:clrMapOvr>
+  <p:timing>
+    <p:tnLst>
+      <p:par>
+        <p:cTn id="1" dur="indefinite" restart="never" nodeType="tmRoot"/>
+      </p:par>
+    </p:tnLst>
+  </p:timing>
 </p:sld>
 </file>
 
@@ -23428,6 +23510,13 @@
   <p:clrMapOvr>
     <a:masterClrMapping/>
   </p:clrMapOvr>
+  <p:timing>
+    <p:tnLst>
+      <p:par>
+        <p:cTn id="1" dur="indefinite" restart="never" nodeType="tmRoot"/>
+      </p:par>
+    </p:tnLst>
+  </p:timing>
 </p:sld>
 </file>
 
@@ -23641,6 +23730,13 @@
   <p:clrMapOvr>
     <a:masterClrMapping/>
   </p:clrMapOvr>
+  <p:timing>
+    <p:tnLst>
+      <p:par>
+        <p:cTn id="1" dur="indefinite" restart="never" nodeType="tmRoot"/>
+      </p:par>
+    </p:tnLst>
+  </p:timing>
 </p:sld>
 </file>
 
@@ -23870,6 +23966,13 @@
   <p:clrMapOvr>
     <a:masterClrMapping/>
   </p:clrMapOvr>
+  <p:timing>
+    <p:tnLst>
+      <p:par>
+        <p:cTn id="1" dur="indefinite" restart="never" nodeType="tmRoot"/>
+      </p:par>
+    </p:tnLst>
+  </p:timing>
 </p:sld>
 </file>
 
@@ -24128,6 +24231,13 @@
   <p:clrMapOvr>
     <a:masterClrMapping/>
   </p:clrMapOvr>
+  <p:timing>
+    <p:tnLst>
+      <p:par>
+        <p:cTn id="1" dur="indefinite" restart="never" nodeType="tmRoot"/>
+      </p:par>
+    </p:tnLst>
+  </p:timing>
 </p:sld>
 </file>
 
@@ -24410,6 +24520,13 @@
   <p:clrMapOvr>
     <a:masterClrMapping/>
   </p:clrMapOvr>
+  <p:timing>
+    <p:tnLst>
+      <p:par>
+        <p:cTn id="1" dur="indefinite" restart="never" nodeType="tmRoot"/>
+      </p:par>
+    </p:tnLst>
+  </p:timing>
 </p:sld>
 </file>
 
@@ -25606,6 +25723,13 @@
   <p:clrMapOvr>
     <a:masterClrMapping/>
   </p:clrMapOvr>
+  <p:timing>
+    <p:tnLst>
+      <p:par>
+        <p:cTn id="1" dur="indefinite" restart="never" nodeType="tmRoot"/>
+      </p:par>
+    </p:tnLst>
+  </p:timing>
 </p:sld>
 </file>
 
@@ -25773,6 +25897,13 @@
   <p:clrMapOvr>
     <a:masterClrMapping/>
   </p:clrMapOvr>
+  <p:timing>
+    <p:tnLst>
+      <p:par>
+        <p:cTn id="1" dur="indefinite" restart="never" nodeType="tmRoot"/>
+      </p:par>
+    </p:tnLst>
+  </p:timing>
 </p:sld>
 </file>
 
@@ -25861,6 +25992,13 @@
   <p:clrMapOvr>
     <a:masterClrMapping/>
   </p:clrMapOvr>
+  <p:timing>
+    <p:tnLst>
+      <p:par>
+        <p:cTn id="1" dur="indefinite" restart="never" nodeType="tmRoot"/>
+      </p:par>
+    </p:tnLst>
+  </p:timing>
 </p:sld>
 </file>
 
@@ -26030,6 +26168,13 @@
   <p:clrMapOvr>
     <a:masterClrMapping/>
   </p:clrMapOvr>
+  <p:timing>
+    <p:tnLst>
+      <p:par>
+        <p:cTn id="1" dur="indefinite" restart="never" nodeType="tmRoot"/>
+      </p:par>
+    </p:tnLst>
+  </p:timing>
 </p:sld>
 </file>
 
@@ -26414,6 +26559,13 @@
   <p:clrMapOvr>
     <a:masterClrMapping/>
   </p:clrMapOvr>
+  <p:timing>
+    <p:tnLst>
+      <p:par>
+        <p:cTn id="1" dur="indefinite" restart="never" nodeType="tmRoot"/>
+      </p:par>
+    </p:tnLst>
+  </p:timing>
 </p:sld>
 </file>
 
@@ -26588,6 +26740,13 @@
   <p:clrMapOvr>
     <a:masterClrMapping/>
   </p:clrMapOvr>
+  <p:timing>
+    <p:tnLst>
+      <p:par>
+        <p:cTn id="1" dur="indefinite" restart="never" nodeType="tmRoot"/>
+      </p:par>
+    </p:tnLst>
+  </p:timing>
 </p:sld>
 </file>
 
@@ -26670,6 +26829,13 @@
   <p:clrMapOvr>
     <a:masterClrMapping/>
   </p:clrMapOvr>
+  <p:timing>
+    <p:tnLst>
+      <p:par>
+        <p:cTn id="1" dur="indefinite" restart="never" nodeType="tmRoot"/>
+      </p:par>
+    </p:tnLst>
+  </p:timing>
 </p:sld>
 </file>
 
@@ -26745,7 +26911,19 @@
               <a:rPr lang="en-SG" sz="1600" dirty="0">
                 <a:latin typeface="Roboto Light"/>
               </a:rPr>
-              <a:t>Work with your GBA team-mates to create the following visuals:</a:t>
+              <a:t>Work with your </a:t>
+            </a:r>
+            <a:r>
+              <a:rPr lang="en-SG" sz="1600" dirty="0" smtClean="0">
+                <a:latin typeface="Roboto Light"/>
+              </a:rPr>
+              <a:t>team-mates </a:t>
+            </a:r>
+            <a:r>
+              <a:rPr lang="en-SG" sz="1600" dirty="0">
+                <a:latin typeface="Roboto Light"/>
+              </a:rPr>
+              <a:t>to create the following visuals:</a:t>
             </a:r>
           </a:p>
           <a:p>
@@ -26857,7 +27035,73 @@
               <a:rPr lang="en-SG" sz="1600" dirty="0">
                 <a:latin typeface="Roboto Light"/>
               </a:rPr>
-              <a:t>Spend about 30 mins doing this; there are 6 charts above; we will pick 6 random teams to show us how they did it. </a:t>
+              <a:t>Spend about </a:t>
+            </a:r>
+            <a:r>
+              <a:rPr lang="en-SG" sz="1600" dirty="0" smtClean="0">
+                <a:latin typeface="Roboto Light"/>
+              </a:rPr>
+              <a:t>10 </a:t>
+            </a:r>
+            <a:r>
+              <a:rPr lang="en-SG" sz="1600" dirty="0" err="1">
+                <a:latin typeface="Roboto Light"/>
+              </a:rPr>
+              <a:t>mins</a:t>
+            </a:r>
+            <a:r>
+              <a:rPr lang="en-SG" sz="1600" dirty="0">
+                <a:latin typeface="Roboto Light"/>
+              </a:rPr>
+              <a:t> </a:t>
+            </a:r>
+            <a:r>
+              <a:rPr lang="en-SG" sz="1600" dirty="0" smtClean="0">
+                <a:latin typeface="Roboto Light"/>
+              </a:rPr>
+              <a:t>per chart doing </a:t>
+            </a:r>
+            <a:r>
+              <a:rPr lang="en-SG" sz="1600" dirty="0">
+                <a:latin typeface="Roboto Light"/>
+              </a:rPr>
+              <a:t>this; there are 6 charts </a:t>
+            </a:r>
+            <a:r>
+              <a:rPr lang="en-SG" sz="1600" dirty="0" smtClean="0">
+                <a:latin typeface="Roboto Light"/>
+              </a:rPr>
+              <a:t>above. At the end of each 10 min block, I </a:t>
+            </a:r>
+            <a:r>
+              <a:rPr lang="en-SG" sz="1600" dirty="0">
+                <a:latin typeface="Roboto Light"/>
+              </a:rPr>
+              <a:t>will pick </a:t>
+            </a:r>
+            <a:r>
+              <a:rPr lang="en-SG" sz="1600" dirty="0" smtClean="0">
+                <a:latin typeface="Roboto Light"/>
+              </a:rPr>
+              <a:t>1 </a:t>
+            </a:r>
+            <a:r>
+              <a:rPr lang="en-SG" sz="1600" dirty="0">
+                <a:latin typeface="Roboto Light"/>
+              </a:rPr>
+              <a:t>random </a:t>
+            </a:r>
+            <a:r>
+              <a:rPr lang="en-SG" sz="1600" dirty="0" smtClean="0">
+                <a:latin typeface="Roboto Light"/>
+              </a:rPr>
+              <a:t>team </a:t>
+            </a:r>
+            <a:r>
+              <a:rPr lang="en-SG" sz="1600" dirty="0">
+                <a:latin typeface="Roboto Light"/>
+              </a:rPr>
+              <a:t>to show us how they did it. </a:t>
             </a:r>
           </a:p>
           <a:p>
@@ -26875,6 +27119,13 @@
   <p:clrMapOvr>
     <a:masterClrMapping/>
   </p:clrMapOvr>
+  <p:timing>
+    <p:tnLst>
+      <p:par>
+        <p:cTn id="1" dur="indefinite" restart="never" nodeType="tmRoot"/>
+      </p:par>
+    </p:tnLst>
+  </p:timing>
 </p:sld>
 </file>
 
@@ -27021,6 +27272,13 @@
   <p:clrMapOvr>
     <a:masterClrMapping/>
   </p:clrMapOvr>
+  <p:timing>
+    <p:tnLst>
+      <p:par>
+        <p:cTn id="1" dur="indefinite" restart="never" nodeType="tmRoot"/>
+      </p:par>
+    </p:tnLst>
+  </p:timing>
 </p:sld>
 </file>
 
@@ -27829,7 +28087,7 @@
                           <a:hlinkClick r:id="rId3">
                             <a:extLst>
                               <a:ext uri="{A12FA001-AC4F-418D-AE19-62706E023703}">
-                                <ahyp:hlinkClr xmlns:ahyp="http://schemas.microsoft.com/office/drawing/2018/hyperlinkcolor" val="tx"/>
+                                <ahyp:hlinkClr xmlns:ahyp="http://schemas.microsoft.com/office/drawing/2018/hyperlinkcolor" xmlns="" val="tx"/>
                               </a:ext>
                             </a:extLst>
                           </a:hlinkClick>
@@ -27933,7 +28191,7 @@
                           <a:hlinkClick r:id="rId4">
                             <a:extLst>
                               <a:ext uri="{A12FA001-AC4F-418D-AE19-62706E023703}">
-                                <ahyp:hlinkClr xmlns:ahyp="http://schemas.microsoft.com/office/drawing/2018/hyperlinkcolor" val="tx"/>
+                                <ahyp:hlinkClr xmlns:ahyp="http://schemas.microsoft.com/office/drawing/2018/hyperlinkcolor" xmlns="" val="tx"/>
                               </a:ext>
                             </a:extLst>
                           </a:hlinkClick>
@@ -28040,7 +28298,7 @@
                           <a:hlinkClick r:id="rId5">
                             <a:extLst>
                               <a:ext uri="{A12FA001-AC4F-418D-AE19-62706E023703}">
-                                <ahyp:hlinkClr xmlns:ahyp="http://schemas.microsoft.com/office/drawing/2018/hyperlinkcolor" val="tx"/>
+                                <ahyp:hlinkClr xmlns:ahyp="http://schemas.microsoft.com/office/drawing/2018/hyperlinkcolor" xmlns="" val="tx"/>
                               </a:ext>
                             </a:extLst>
                           </a:hlinkClick>
@@ -28396,6 +28654,14 @@
   <p:clrMapOvr>
     <a:masterClrMapping/>
   </p:clrMapOvr>
+  <mc:AlternateContent xmlns:mc="http://schemas.openxmlformats.org/markup-compatibility/2006">
+    <mc:Choice xmlns:p14="http://schemas.microsoft.com/office/powerpoint/2010/main" Requires="p14">
+      <p:transition spd="slow" p14:dur="2000"/>
+    </mc:Choice>
+    <mc:Fallback>
+      <p:transition spd="slow"/>
+    </mc:Fallback>
+  </mc:AlternateContent>
 </p:sld>
 </file>
 
@@ -28597,6 +28863,14 @@
   <p:clrMapOvr>
     <a:masterClrMapping/>
   </p:clrMapOvr>
+  <mc:AlternateContent xmlns:mc="http://schemas.openxmlformats.org/markup-compatibility/2006">
+    <mc:Choice xmlns:p14="http://schemas.microsoft.com/office/powerpoint/2010/main" Requires="p14">
+      <p:transition spd="slow" p14:dur="2000"/>
+    </mc:Choice>
+    <mc:Fallback>
+      <p:transition spd="slow"/>
+    </mc:Fallback>
+  </mc:AlternateContent>
 </p:sld>
 </file>
 
@@ -28698,6 +28972,13 @@
   <p:clrMapOvr>
     <a:masterClrMapping/>
   </p:clrMapOvr>
+  <p:timing>
+    <p:tnLst>
+      <p:par>
+        <p:cTn id="1" dur="indefinite" restart="never" nodeType="tmRoot"/>
+      </p:par>
+    </p:tnLst>
+  </p:timing>
 </p:sld>
 </file>
 
@@ -29056,6 +29337,13 @@
   <p:clrMapOvr>
     <a:masterClrMapping/>
   </p:clrMapOvr>
+  <p:timing>
+    <p:tnLst>
+      <p:par>
+        <p:cTn id="1" dur="indefinite" restart="never" nodeType="tmRoot"/>
+      </p:par>
+    </p:tnLst>
+  </p:timing>
 </p:sld>
 </file>
 
@@ -29295,6 +29583,13 @@
   <p:clrMapOvr>
     <a:masterClrMapping/>
   </p:clrMapOvr>
+  <p:timing>
+    <p:tnLst>
+      <p:par>
+        <p:cTn id="1" dur="indefinite" restart="never" nodeType="tmRoot"/>
+      </p:par>
+    </p:tnLst>
+  </p:timing>
 </p:sld>
 </file>
 
@@ -29442,6 +29737,13 @@
   <p:clrMapOvr>
     <a:masterClrMapping/>
   </p:clrMapOvr>
+  <p:timing>
+    <p:tnLst>
+      <p:par>
+        <p:cTn id="1" dur="indefinite" restart="never" nodeType="tmRoot"/>
+      </p:par>
+    </p:tnLst>
+  </p:timing>
 </p:sld>
 </file>
 
@@ -29720,6 +30022,13 @@
   <p:clrMapOvr>
     <a:masterClrMapping/>
   </p:clrMapOvr>
+  <p:timing>
+    <p:tnLst>
+      <p:par>
+        <p:cTn id="1" dur="indefinite" restart="never" nodeType="tmRoot"/>
+      </p:par>
+    </p:tnLst>
+  </p:timing>
 </p:sld>
 </file>
 
@@ -29965,6 +30274,13 @@
   <p:clrMapOvr>
     <a:masterClrMapping/>
   </p:clrMapOvr>
+  <p:timing>
+    <p:tnLst>
+      <p:par>
+        <p:cTn id="1" dur="indefinite" restart="never" nodeType="tmRoot"/>
+      </p:par>
+    </p:tnLst>
+  </p:timing>
 </p:sld>
 </file>
 
@@ -31600,6 +31916,24 @@
 </file>
 
 <file path=customXml/item1.xml><?xml version="1.0" encoding="utf-8"?>
+<p:properties xmlns:p="http://schemas.microsoft.com/office/2006/metadata/properties" xmlns:xsi="http://www.w3.org/2001/XMLSchema-instance" xmlns:pc="http://schemas.microsoft.com/office/infopath/2007/PartnerControls">
+  <documentManagement>
+    <_Version xmlns="http://schemas.microsoft.com/sharepoint/v3/fields" xsi:nil="true"/>
+    <_Status xmlns="http://schemas.microsoft.com/sharepoint/v3/fields">Not Started</_Status>
+  </documentManagement>
+</p:properties>
+</file>
+
+<file path=customXml/item2.xml><?xml version="1.0" encoding="utf-8"?>
+<?mso-contentType ?>
+<FormTemplates xmlns="http://schemas.microsoft.com/sharepoint/v3/contenttype/forms">
+  <Display>DocumentLibraryForm</Display>
+  <Edit>DocumentLibraryForm</Edit>
+  <New>DocumentLibraryForm</New>
+</FormTemplates>
+</file>
+
+<file path=customXml/item3.xml><?xml version="1.0" encoding="utf-8"?>
 <ct:contentTypeSchema xmlns:ct="http://schemas.microsoft.com/office/2006/metadata/contentType" xmlns:ma="http://schemas.microsoft.com/office/2006/metadata/properties/metaAttributes" ct:_="" ma:_="" ma:contentTypeName="Document" ma:contentTypeID="0x0101000DE64AEEDD9B7A4D93545ACBE97D4615" ma:contentTypeVersion="2" ma:contentTypeDescription="Create a new document." ma:contentTypeScope="" ma:versionID="f49002b78e3a4a71b814eef46a983816">
   <xsd:schema xmlns:xsd="http://www.w3.org/2001/XMLSchema" xmlns:xs="http://www.w3.org/2001/XMLSchema" xmlns:p="http://schemas.microsoft.com/office/2006/metadata/properties" xmlns:ns2="http://schemas.microsoft.com/sharepoint/v3/fields" targetNamespace="http://schemas.microsoft.com/office/2006/metadata/properties" ma:root="true" ma:fieldsID="38f6db2dd0d9a0cf6a8dc37be32b365b" ns2:_="">
     <xsd:import namespace="http://schemas.microsoft.com/sharepoint/v3/fields"/>
@@ -31743,25 +32077,25 @@
 </ct:contentTypeSchema>
 </file>
 
-<file path=customXml/item2.xml><?xml version="1.0" encoding="utf-8"?>
-<p:properties xmlns:p="http://schemas.microsoft.com/office/2006/metadata/properties" xmlns:xsi="http://www.w3.org/2001/XMLSchema-instance" xmlns:pc="http://schemas.microsoft.com/office/infopath/2007/PartnerControls">
-  <documentManagement>
-    <_Version xmlns="http://schemas.microsoft.com/sharepoint/v3/fields" xsi:nil="true"/>
-    <_Status xmlns="http://schemas.microsoft.com/sharepoint/v3/fields">Not Started</_Status>
-  </documentManagement>
-</p:properties>
+<file path=customXml/itemProps1.xml><?xml version="1.0" encoding="utf-8"?>
+<ds:datastoreItem xmlns:ds="http://schemas.openxmlformats.org/officeDocument/2006/customXml" ds:itemID="{7B6F2769-7194-4217-93D3-3AF3A4742282}">
+  <ds:schemaRefs>
+    <ds:schemaRef ds:uri="http://schemas.microsoft.com/office/2006/metadata/properties"/>
+    <ds:schemaRef ds:uri="http://schemas.microsoft.com/office/infopath/2007/PartnerControls"/>
+    <ds:schemaRef ds:uri="http://schemas.microsoft.com/sharepoint/v3/fields"/>
+  </ds:schemaRefs>
+</ds:datastoreItem>
 </file>
 
-<file path=customXml/item3.xml><?xml version="1.0" encoding="utf-8"?>
-<?mso-contentType ?>
-<FormTemplates xmlns="http://schemas.microsoft.com/sharepoint/v3/contenttype/forms">
-  <Display>DocumentLibraryForm</Display>
-  <Edit>DocumentLibraryForm</Edit>
-  <New>DocumentLibraryForm</New>
-</FormTemplates>
+<file path=customXml/itemProps2.xml><?xml version="1.0" encoding="utf-8"?>
+<ds:datastoreItem xmlns:ds="http://schemas.openxmlformats.org/officeDocument/2006/customXml" ds:itemID="{87D2A1B0-FF3E-4009-940D-AED0EB70AA20}">
+  <ds:schemaRefs>
+    <ds:schemaRef ds:uri="http://schemas.microsoft.com/sharepoint/v3/contenttype/forms"/>
+  </ds:schemaRefs>
+</ds:datastoreItem>
 </file>
 
-<file path=customXml/itemProps1.xml><?xml version="1.0" encoding="utf-8"?>
+<file path=customXml/itemProps3.xml><?xml version="1.0" encoding="utf-8"?>
 <ds:datastoreItem xmlns:ds="http://schemas.openxmlformats.org/officeDocument/2006/customXml" ds:itemID="{E4214858-785C-42F7-BE66-6D0E79395FC8}">
   <ds:schemaRefs>
     <ds:schemaRef ds:uri="http://schemas.microsoft.com/office/2006/metadata/contentType"/>
@@ -31777,22 +32111,4 @@
     <ds:schemaRef ds:uri="http://schemas.microsoft.com/internal/obd"/>
   </ds:schemaRefs>
 </ds:datastoreItem>
-</file>
-
-<file path=customXml/itemProps2.xml><?xml version="1.0" encoding="utf-8"?>
-<ds:datastoreItem xmlns:ds="http://schemas.openxmlformats.org/officeDocument/2006/customXml" ds:itemID="{7B6F2769-7194-4217-93D3-3AF3A4742282}">
-  <ds:schemaRefs>
-    <ds:schemaRef ds:uri="http://schemas.microsoft.com/office/2006/metadata/properties"/>
-    <ds:schemaRef ds:uri="http://schemas.microsoft.com/office/infopath/2007/PartnerControls"/>
-    <ds:schemaRef ds:uri="http://schemas.microsoft.com/sharepoint/v3/fields"/>
-  </ds:schemaRefs>
-</ds:datastoreItem>
-</file>
-
-<file path=customXml/itemProps3.xml><?xml version="1.0" encoding="utf-8"?>
-<ds:datastoreItem xmlns:ds="http://schemas.openxmlformats.org/officeDocument/2006/customXml" ds:itemID="{87D2A1B0-FF3E-4009-940D-AED0EB70AA20}">
-  <ds:schemaRefs>
-    <ds:schemaRef ds:uri="http://schemas.microsoft.com/sharepoint/v3/contenttype/forms"/>
-  </ds:schemaRefs>
-</ds:datastoreItem>
 </file>